--- a/NewThesis/LaTex-template-package/LaTex-template-package/Drawing4/SystemOverview.pptx
+++ b/NewThesis/LaTex-template-package/LaTex-template-package/Drawing4/SystemOverview.pptx
@@ -2,12 +2,12 @@
 <file path=ppt/presentation.xml><?xml version="1.0" encoding="utf-8"?>
 <p:presentation xmlns:a="http://schemas.openxmlformats.org/drawingml/2006/main" xmlns:r="http://schemas.openxmlformats.org/officeDocument/2006/relationships" xmlns:p="http://schemas.openxmlformats.org/presentationml/2006/main" saveSubsetFonts="1">
   <p:sldMasterIdLst>
-    <p:sldMasterId id="2147483732" r:id="rId1"/>
+    <p:sldMasterId id="2147483792" r:id="rId1"/>
   </p:sldMasterIdLst>
   <p:sldIdLst>
     <p:sldId id="257" r:id="rId2"/>
   </p:sldIdLst>
-  <p:sldSz cx="10080625" cy="8999538"/>
+  <p:sldSz cx="8351838" cy="7199313"/>
   <p:notesSz cx="6858000" cy="9144000"/>
   <p:defaultTextStyle>
     <a:defPPr>
@@ -141,15 +141,15 @@
         </p:nvSpPr>
         <p:spPr>
           <a:xfrm>
-            <a:off x="756047" y="1472842"/>
-            <a:ext cx="8568531" cy="3133172"/>
+            <a:off x="626388" y="1178222"/>
+            <a:ext cx="7099062" cy="2506427"/>
           </a:xfrm>
         </p:spPr>
         <p:txBody>
           <a:bodyPr anchor="b"/>
           <a:lstStyle>
             <a:lvl1pPr algn="ctr">
-              <a:defRPr sz="6614"/>
+              <a:defRPr sz="5480"/>
             </a:lvl1pPr>
           </a:lstStyle>
           <a:p>
@@ -173,8 +173,8 @@
         </p:nvSpPr>
         <p:spPr>
           <a:xfrm>
-            <a:off x="1260078" y="4726842"/>
-            <a:ext cx="7560469" cy="2172804"/>
+            <a:off x="1043980" y="3781306"/>
+            <a:ext cx="6263879" cy="1738167"/>
           </a:xfrm>
         </p:spPr>
         <p:txBody>
@@ -182,39 +182,39 @@
           <a:lstStyle>
             <a:lvl1pPr marL="0" indent="0" algn="ctr">
               <a:buNone/>
-              <a:defRPr sz="2646"/>
+              <a:defRPr sz="2192"/>
             </a:lvl1pPr>
-            <a:lvl2pPr marL="504017" indent="0" algn="ctr">
-              <a:buNone/>
-              <a:defRPr sz="2205"/>
+            <a:lvl2pPr marL="417606" indent="0" algn="ctr">
+              <a:buNone/>
+              <a:defRPr sz="1827"/>
             </a:lvl2pPr>
-            <a:lvl3pPr marL="1008035" indent="0" algn="ctr">
-              <a:buNone/>
-              <a:defRPr sz="1984"/>
+            <a:lvl3pPr marL="835213" indent="0" algn="ctr">
+              <a:buNone/>
+              <a:defRPr sz="1644"/>
             </a:lvl3pPr>
-            <a:lvl4pPr marL="1512052" indent="0" algn="ctr">
-              <a:buNone/>
-              <a:defRPr sz="1764"/>
+            <a:lvl4pPr marL="1252819" indent="0" algn="ctr">
+              <a:buNone/>
+              <a:defRPr sz="1461"/>
             </a:lvl4pPr>
-            <a:lvl5pPr marL="2016069" indent="0" algn="ctr">
-              <a:buNone/>
-              <a:defRPr sz="1764"/>
+            <a:lvl5pPr marL="1670426" indent="0" algn="ctr">
+              <a:buNone/>
+              <a:defRPr sz="1461"/>
             </a:lvl5pPr>
-            <a:lvl6pPr marL="2520086" indent="0" algn="ctr">
-              <a:buNone/>
-              <a:defRPr sz="1764"/>
+            <a:lvl6pPr marL="2088032" indent="0" algn="ctr">
+              <a:buNone/>
+              <a:defRPr sz="1461"/>
             </a:lvl6pPr>
-            <a:lvl7pPr marL="3024104" indent="0" algn="ctr">
-              <a:buNone/>
-              <a:defRPr sz="1764"/>
+            <a:lvl7pPr marL="2505639" indent="0" algn="ctr">
+              <a:buNone/>
+              <a:defRPr sz="1461"/>
             </a:lvl7pPr>
-            <a:lvl8pPr marL="3528121" indent="0" algn="ctr">
-              <a:buNone/>
-              <a:defRPr sz="1764"/>
+            <a:lvl8pPr marL="2923245" indent="0" algn="ctr">
+              <a:buNone/>
+              <a:defRPr sz="1461"/>
             </a:lvl8pPr>
-            <a:lvl9pPr marL="4032138" indent="0" algn="ctr">
-              <a:buNone/>
-              <a:defRPr sz="1764"/>
+            <a:lvl9pPr marL="3340852" indent="0" algn="ctr">
+              <a:buNone/>
+              <a:defRPr sz="1461"/>
             </a:lvl9pPr>
           </a:lstStyle>
           <a:p>
@@ -243,7 +243,7 @@
           <a:p>
             <a:fld id="{9515DF3E-F12B-478A-A372-8B0BE7EFCB50}" type="datetimeFigureOut">
               <a:rPr lang="en-CA" smtClean="0"/>
-              <a:t>31/07/2016</a:t>
+              <a:t>05/08/2016</a:t>
             </a:fld>
             <a:endParaRPr lang="en-CA"/>
           </a:p>
@@ -294,7 +294,7 @@
     </p:spTree>
     <p:extLst>
       <p:ext uri="{BB962C8B-B14F-4D97-AF65-F5344CB8AC3E}">
-        <p14:creationId xmlns:p14="http://schemas.microsoft.com/office/powerpoint/2010/main" val="2696614038"/>
+        <p14:creationId xmlns:p14="http://schemas.microsoft.com/office/powerpoint/2010/main" val="2608992037"/>
       </p:ext>
     </p:extLst>
   </p:cSld>
@@ -413,7 +413,7 @@
           <a:p>
             <a:fld id="{9515DF3E-F12B-478A-A372-8B0BE7EFCB50}" type="datetimeFigureOut">
               <a:rPr lang="en-CA" smtClean="0"/>
-              <a:t>31/07/2016</a:t>
+              <a:t>05/08/2016</a:t>
             </a:fld>
             <a:endParaRPr lang="en-CA"/>
           </a:p>
@@ -464,7 +464,7 @@
     </p:spTree>
     <p:extLst>
       <p:ext uri="{BB962C8B-B14F-4D97-AF65-F5344CB8AC3E}">
-        <p14:creationId xmlns:p14="http://schemas.microsoft.com/office/powerpoint/2010/main" val="3790258000"/>
+        <p14:creationId xmlns:p14="http://schemas.microsoft.com/office/powerpoint/2010/main" val="2476272159"/>
       </p:ext>
     </p:extLst>
   </p:cSld>
@@ -503,8 +503,8 @@
         </p:nvSpPr>
         <p:spPr>
           <a:xfrm>
-            <a:off x="7213948" y="479142"/>
-            <a:ext cx="2173635" cy="7626692"/>
+            <a:off x="5976785" y="383297"/>
+            <a:ext cx="1800865" cy="6101085"/>
           </a:xfrm>
         </p:spPr>
         <p:txBody>
@@ -531,8 +531,8 @@
         </p:nvSpPr>
         <p:spPr>
           <a:xfrm>
-            <a:off x="693044" y="479142"/>
-            <a:ext cx="6394896" cy="7626692"/>
+            <a:off x="574189" y="383297"/>
+            <a:ext cx="5298197" cy="6101085"/>
           </a:xfrm>
         </p:spPr>
         <p:txBody>
@@ -593,7 +593,7 @@
           <a:p>
             <a:fld id="{9515DF3E-F12B-478A-A372-8B0BE7EFCB50}" type="datetimeFigureOut">
               <a:rPr lang="en-CA" smtClean="0"/>
-              <a:t>31/07/2016</a:t>
+              <a:t>05/08/2016</a:t>
             </a:fld>
             <a:endParaRPr lang="en-CA"/>
           </a:p>
@@ -644,7 +644,7 @@
     </p:spTree>
     <p:extLst>
       <p:ext uri="{BB962C8B-B14F-4D97-AF65-F5344CB8AC3E}">
-        <p14:creationId xmlns:p14="http://schemas.microsoft.com/office/powerpoint/2010/main" val="433344694"/>
+        <p14:creationId xmlns:p14="http://schemas.microsoft.com/office/powerpoint/2010/main" val="139555839"/>
       </p:ext>
     </p:extLst>
   </p:cSld>
@@ -763,7 +763,7 @@
           <a:p>
             <a:fld id="{9515DF3E-F12B-478A-A372-8B0BE7EFCB50}" type="datetimeFigureOut">
               <a:rPr lang="en-CA" smtClean="0"/>
-              <a:t>31/07/2016</a:t>
+              <a:t>05/08/2016</a:t>
             </a:fld>
             <a:endParaRPr lang="en-CA"/>
           </a:p>
@@ -814,7 +814,7 @@
     </p:spTree>
     <p:extLst>
       <p:ext uri="{BB962C8B-B14F-4D97-AF65-F5344CB8AC3E}">
-        <p14:creationId xmlns:p14="http://schemas.microsoft.com/office/powerpoint/2010/main" val="477283362"/>
+        <p14:creationId xmlns:p14="http://schemas.microsoft.com/office/powerpoint/2010/main" val="3128361060"/>
       </p:ext>
     </p:extLst>
   </p:cSld>
@@ -853,15 +853,15 @@
         </p:nvSpPr>
         <p:spPr>
           <a:xfrm>
-            <a:off x="687793" y="2243638"/>
-            <a:ext cx="8694539" cy="3743557"/>
+            <a:off x="569840" y="1794831"/>
+            <a:ext cx="7203460" cy="2994714"/>
           </a:xfrm>
         </p:spPr>
         <p:txBody>
           <a:bodyPr anchor="b"/>
           <a:lstStyle>
             <a:lvl1pPr>
-              <a:defRPr sz="6614"/>
+              <a:defRPr sz="5480"/>
             </a:lvl1pPr>
           </a:lstStyle>
           <a:p>
@@ -885,8 +885,8 @@
         </p:nvSpPr>
         <p:spPr>
           <a:xfrm>
-            <a:off x="687793" y="6022610"/>
-            <a:ext cx="8694539" cy="1968648"/>
+            <a:off x="569840" y="4817876"/>
+            <a:ext cx="7203460" cy="1574849"/>
           </a:xfrm>
         </p:spPr>
         <p:txBody>
@@ -894,15 +894,15 @@
           <a:lstStyle>
             <a:lvl1pPr marL="0" indent="0">
               <a:buNone/>
-              <a:defRPr sz="2646">
+              <a:defRPr sz="2192">
                 <a:solidFill>
                   <a:schemeClr val="tx1"/>
                 </a:solidFill>
               </a:defRPr>
             </a:lvl1pPr>
-            <a:lvl2pPr marL="504017" indent="0">
-              <a:buNone/>
-              <a:defRPr sz="2205">
+            <a:lvl2pPr marL="417606" indent="0">
+              <a:buNone/>
+              <a:defRPr sz="1827">
                 <a:solidFill>
                   <a:schemeClr val="tx1">
                     <a:tint val="75000"/>
@@ -910,9 +910,9 @@
                 </a:solidFill>
               </a:defRPr>
             </a:lvl2pPr>
-            <a:lvl3pPr marL="1008035" indent="0">
-              <a:buNone/>
-              <a:defRPr sz="1984">
+            <a:lvl3pPr marL="835213" indent="0">
+              <a:buNone/>
+              <a:defRPr sz="1644">
                 <a:solidFill>
                   <a:schemeClr val="tx1">
                     <a:tint val="75000"/>
@@ -920,9 +920,9 @@
                 </a:solidFill>
               </a:defRPr>
             </a:lvl3pPr>
-            <a:lvl4pPr marL="1512052" indent="0">
-              <a:buNone/>
-              <a:defRPr sz="1764">
+            <a:lvl4pPr marL="1252819" indent="0">
+              <a:buNone/>
+              <a:defRPr sz="1461">
                 <a:solidFill>
                   <a:schemeClr val="tx1">
                     <a:tint val="75000"/>
@@ -930,9 +930,9 @@
                 </a:solidFill>
               </a:defRPr>
             </a:lvl4pPr>
-            <a:lvl5pPr marL="2016069" indent="0">
-              <a:buNone/>
-              <a:defRPr sz="1764">
+            <a:lvl5pPr marL="1670426" indent="0">
+              <a:buNone/>
+              <a:defRPr sz="1461">
                 <a:solidFill>
                   <a:schemeClr val="tx1">
                     <a:tint val="75000"/>
@@ -940,9 +940,9 @@
                 </a:solidFill>
               </a:defRPr>
             </a:lvl5pPr>
-            <a:lvl6pPr marL="2520086" indent="0">
-              <a:buNone/>
-              <a:defRPr sz="1764">
+            <a:lvl6pPr marL="2088032" indent="0">
+              <a:buNone/>
+              <a:defRPr sz="1461">
                 <a:solidFill>
                   <a:schemeClr val="tx1">
                     <a:tint val="75000"/>
@@ -950,9 +950,9 @@
                 </a:solidFill>
               </a:defRPr>
             </a:lvl6pPr>
-            <a:lvl7pPr marL="3024104" indent="0">
-              <a:buNone/>
-              <a:defRPr sz="1764">
+            <a:lvl7pPr marL="2505639" indent="0">
+              <a:buNone/>
+              <a:defRPr sz="1461">
                 <a:solidFill>
                   <a:schemeClr val="tx1">
                     <a:tint val="75000"/>
@@ -960,9 +960,9 @@
                 </a:solidFill>
               </a:defRPr>
             </a:lvl7pPr>
-            <a:lvl8pPr marL="3528121" indent="0">
-              <a:buNone/>
-              <a:defRPr sz="1764">
+            <a:lvl8pPr marL="2923245" indent="0">
+              <a:buNone/>
+              <a:defRPr sz="1461">
                 <a:solidFill>
                   <a:schemeClr val="tx1">
                     <a:tint val="75000"/>
@@ -970,9 +970,9 @@
                 </a:solidFill>
               </a:defRPr>
             </a:lvl8pPr>
-            <a:lvl9pPr marL="4032138" indent="0">
-              <a:buNone/>
-              <a:defRPr sz="1764">
+            <a:lvl9pPr marL="3340852" indent="0">
+              <a:buNone/>
+              <a:defRPr sz="1461">
                 <a:solidFill>
                   <a:schemeClr val="tx1">
                     <a:tint val="75000"/>
@@ -1007,7 +1007,7 @@
           <a:p>
             <a:fld id="{9515DF3E-F12B-478A-A372-8B0BE7EFCB50}" type="datetimeFigureOut">
               <a:rPr lang="en-CA" smtClean="0"/>
-              <a:t>31/07/2016</a:t>
+              <a:t>05/08/2016</a:t>
             </a:fld>
             <a:endParaRPr lang="en-CA"/>
           </a:p>
@@ -1058,7 +1058,7 @@
     </p:spTree>
     <p:extLst>
       <p:ext uri="{BB962C8B-B14F-4D97-AF65-F5344CB8AC3E}">
-        <p14:creationId xmlns:p14="http://schemas.microsoft.com/office/powerpoint/2010/main" val="19108966"/>
+        <p14:creationId xmlns:p14="http://schemas.microsoft.com/office/powerpoint/2010/main" val="392658176"/>
       </p:ext>
     </p:extLst>
   </p:cSld>
@@ -1120,8 +1120,8 @@
         </p:nvSpPr>
         <p:spPr>
           <a:xfrm>
-            <a:off x="693043" y="2395710"/>
-            <a:ext cx="4284266" cy="5710124"/>
+            <a:off x="574189" y="1916484"/>
+            <a:ext cx="3549531" cy="4567898"/>
           </a:xfrm>
         </p:spPr>
         <p:txBody>
@@ -1177,8 +1177,8 @@
         </p:nvSpPr>
         <p:spPr>
           <a:xfrm>
-            <a:off x="5103316" y="2395710"/>
-            <a:ext cx="4284266" cy="5710124"/>
+            <a:off x="4228118" y="1916484"/>
+            <a:ext cx="3549531" cy="4567898"/>
           </a:xfrm>
         </p:spPr>
         <p:txBody>
@@ -1239,7 +1239,7 @@
           <a:p>
             <a:fld id="{9515DF3E-F12B-478A-A372-8B0BE7EFCB50}" type="datetimeFigureOut">
               <a:rPr lang="en-CA" smtClean="0"/>
-              <a:t>31/07/2016</a:t>
+              <a:t>05/08/2016</a:t>
             </a:fld>
             <a:endParaRPr lang="en-CA"/>
           </a:p>
@@ -1290,7 +1290,7 @@
     </p:spTree>
     <p:extLst>
       <p:ext uri="{BB962C8B-B14F-4D97-AF65-F5344CB8AC3E}">
-        <p14:creationId xmlns:p14="http://schemas.microsoft.com/office/powerpoint/2010/main" val="3123759856"/>
+        <p14:creationId xmlns:p14="http://schemas.microsoft.com/office/powerpoint/2010/main" val="2307877572"/>
       </p:ext>
     </p:extLst>
   </p:cSld>
@@ -1329,8 +1329,8 @@
         </p:nvSpPr>
         <p:spPr>
           <a:xfrm>
-            <a:off x="694356" y="479144"/>
-            <a:ext cx="8694539" cy="1739495"/>
+            <a:off x="575277" y="383299"/>
+            <a:ext cx="7203460" cy="1391534"/>
           </a:xfrm>
         </p:spPr>
         <p:txBody>
@@ -1357,8 +1357,8 @@
         </p:nvSpPr>
         <p:spPr>
           <a:xfrm>
-            <a:off x="694357" y="2206137"/>
-            <a:ext cx="4264576" cy="1081194"/>
+            <a:off x="575278" y="1764832"/>
+            <a:ext cx="3533218" cy="864917"/>
           </a:xfrm>
         </p:spPr>
         <p:txBody>
@@ -1366,39 +1366,39 @@
           <a:lstStyle>
             <a:lvl1pPr marL="0" indent="0">
               <a:buNone/>
-              <a:defRPr sz="2646" b="1"/>
+              <a:defRPr sz="2192" b="1"/>
             </a:lvl1pPr>
-            <a:lvl2pPr marL="504017" indent="0">
-              <a:buNone/>
-              <a:defRPr sz="2205" b="1"/>
+            <a:lvl2pPr marL="417606" indent="0">
+              <a:buNone/>
+              <a:defRPr sz="1827" b="1"/>
             </a:lvl2pPr>
-            <a:lvl3pPr marL="1008035" indent="0">
-              <a:buNone/>
-              <a:defRPr sz="1984" b="1"/>
+            <a:lvl3pPr marL="835213" indent="0">
+              <a:buNone/>
+              <a:defRPr sz="1644" b="1"/>
             </a:lvl3pPr>
-            <a:lvl4pPr marL="1512052" indent="0">
-              <a:buNone/>
-              <a:defRPr sz="1764" b="1"/>
+            <a:lvl4pPr marL="1252819" indent="0">
+              <a:buNone/>
+              <a:defRPr sz="1461" b="1"/>
             </a:lvl4pPr>
-            <a:lvl5pPr marL="2016069" indent="0">
-              <a:buNone/>
-              <a:defRPr sz="1764" b="1"/>
+            <a:lvl5pPr marL="1670426" indent="0">
+              <a:buNone/>
+              <a:defRPr sz="1461" b="1"/>
             </a:lvl5pPr>
-            <a:lvl6pPr marL="2520086" indent="0">
-              <a:buNone/>
-              <a:defRPr sz="1764" b="1"/>
+            <a:lvl6pPr marL="2088032" indent="0">
+              <a:buNone/>
+              <a:defRPr sz="1461" b="1"/>
             </a:lvl6pPr>
-            <a:lvl7pPr marL="3024104" indent="0">
-              <a:buNone/>
-              <a:defRPr sz="1764" b="1"/>
+            <a:lvl7pPr marL="2505639" indent="0">
+              <a:buNone/>
+              <a:defRPr sz="1461" b="1"/>
             </a:lvl7pPr>
-            <a:lvl8pPr marL="3528121" indent="0">
-              <a:buNone/>
-              <a:defRPr sz="1764" b="1"/>
+            <a:lvl8pPr marL="2923245" indent="0">
+              <a:buNone/>
+              <a:defRPr sz="1461" b="1"/>
             </a:lvl8pPr>
-            <a:lvl9pPr marL="4032138" indent="0">
-              <a:buNone/>
-              <a:defRPr sz="1764" b="1"/>
+            <a:lvl9pPr marL="3340852" indent="0">
+              <a:buNone/>
+              <a:defRPr sz="1461" b="1"/>
             </a:lvl9pPr>
           </a:lstStyle>
           <a:p>
@@ -1422,8 +1422,8 @@
         </p:nvSpPr>
         <p:spPr>
           <a:xfrm>
-            <a:off x="694357" y="3287331"/>
-            <a:ext cx="4264576" cy="4835169"/>
+            <a:off x="575278" y="2629749"/>
+            <a:ext cx="3533218" cy="3867965"/>
           </a:xfrm>
         </p:spPr>
         <p:txBody>
@@ -1479,8 +1479,8 @@
         </p:nvSpPr>
         <p:spPr>
           <a:xfrm>
-            <a:off x="5103317" y="2206137"/>
-            <a:ext cx="4285579" cy="1081194"/>
+            <a:off x="4228118" y="1764832"/>
+            <a:ext cx="3550619" cy="864917"/>
           </a:xfrm>
         </p:spPr>
         <p:txBody>
@@ -1488,39 +1488,39 @@
           <a:lstStyle>
             <a:lvl1pPr marL="0" indent="0">
               <a:buNone/>
-              <a:defRPr sz="2646" b="1"/>
+              <a:defRPr sz="2192" b="1"/>
             </a:lvl1pPr>
-            <a:lvl2pPr marL="504017" indent="0">
-              <a:buNone/>
-              <a:defRPr sz="2205" b="1"/>
+            <a:lvl2pPr marL="417606" indent="0">
+              <a:buNone/>
+              <a:defRPr sz="1827" b="1"/>
             </a:lvl2pPr>
-            <a:lvl3pPr marL="1008035" indent="0">
-              <a:buNone/>
-              <a:defRPr sz="1984" b="1"/>
+            <a:lvl3pPr marL="835213" indent="0">
+              <a:buNone/>
+              <a:defRPr sz="1644" b="1"/>
             </a:lvl3pPr>
-            <a:lvl4pPr marL="1512052" indent="0">
-              <a:buNone/>
-              <a:defRPr sz="1764" b="1"/>
+            <a:lvl4pPr marL="1252819" indent="0">
+              <a:buNone/>
+              <a:defRPr sz="1461" b="1"/>
             </a:lvl4pPr>
-            <a:lvl5pPr marL="2016069" indent="0">
-              <a:buNone/>
-              <a:defRPr sz="1764" b="1"/>
+            <a:lvl5pPr marL="1670426" indent="0">
+              <a:buNone/>
+              <a:defRPr sz="1461" b="1"/>
             </a:lvl5pPr>
-            <a:lvl6pPr marL="2520086" indent="0">
-              <a:buNone/>
-              <a:defRPr sz="1764" b="1"/>
+            <a:lvl6pPr marL="2088032" indent="0">
+              <a:buNone/>
+              <a:defRPr sz="1461" b="1"/>
             </a:lvl6pPr>
-            <a:lvl7pPr marL="3024104" indent="0">
-              <a:buNone/>
-              <a:defRPr sz="1764" b="1"/>
+            <a:lvl7pPr marL="2505639" indent="0">
+              <a:buNone/>
+              <a:defRPr sz="1461" b="1"/>
             </a:lvl7pPr>
-            <a:lvl8pPr marL="3528121" indent="0">
-              <a:buNone/>
-              <a:defRPr sz="1764" b="1"/>
+            <a:lvl8pPr marL="2923245" indent="0">
+              <a:buNone/>
+              <a:defRPr sz="1461" b="1"/>
             </a:lvl8pPr>
-            <a:lvl9pPr marL="4032138" indent="0">
-              <a:buNone/>
-              <a:defRPr sz="1764" b="1"/>
+            <a:lvl9pPr marL="3340852" indent="0">
+              <a:buNone/>
+              <a:defRPr sz="1461" b="1"/>
             </a:lvl9pPr>
           </a:lstStyle>
           <a:p>
@@ -1544,8 +1544,8 @@
         </p:nvSpPr>
         <p:spPr>
           <a:xfrm>
-            <a:off x="5103317" y="3287331"/>
-            <a:ext cx="4285579" cy="4835169"/>
+            <a:off x="4228118" y="2629749"/>
+            <a:ext cx="3550619" cy="3867965"/>
           </a:xfrm>
         </p:spPr>
         <p:txBody>
@@ -1606,7 +1606,7 @@
           <a:p>
             <a:fld id="{9515DF3E-F12B-478A-A372-8B0BE7EFCB50}" type="datetimeFigureOut">
               <a:rPr lang="en-CA" smtClean="0"/>
-              <a:t>31/07/2016</a:t>
+              <a:t>05/08/2016</a:t>
             </a:fld>
             <a:endParaRPr lang="en-CA"/>
           </a:p>
@@ -1657,7 +1657,7 @@
     </p:spTree>
     <p:extLst>
       <p:ext uri="{BB962C8B-B14F-4D97-AF65-F5344CB8AC3E}">
-        <p14:creationId xmlns:p14="http://schemas.microsoft.com/office/powerpoint/2010/main" val="2437878094"/>
+        <p14:creationId xmlns:p14="http://schemas.microsoft.com/office/powerpoint/2010/main" val="1348660389"/>
       </p:ext>
     </p:extLst>
   </p:cSld>
@@ -1724,7 +1724,7 @@
           <a:p>
             <a:fld id="{9515DF3E-F12B-478A-A372-8B0BE7EFCB50}" type="datetimeFigureOut">
               <a:rPr lang="en-CA" smtClean="0"/>
-              <a:t>31/07/2016</a:t>
+              <a:t>05/08/2016</a:t>
             </a:fld>
             <a:endParaRPr lang="en-CA"/>
           </a:p>
@@ -1775,7 +1775,7 @@
     </p:spTree>
     <p:extLst>
       <p:ext uri="{BB962C8B-B14F-4D97-AF65-F5344CB8AC3E}">
-        <p14:creationId xmlns:p14="http://schemas.microsoft.com/office/powerpoint/2010/main" val="915535611"/>
+        <p14:creationId xmlns:p14="http://schemas.microsoft.com/office/powerpoint/2010/main" val="3629893702"/>
       </p:ext>
     </p:extLst>
   </p:cSld>
@@ -1819,7 +1819,7 @@
           <a:p>
             <a:fld id="{9515DF3E-F12B-478A-A372-8B0BE7EFCB50}" type="datetimeFigureOut">
               <a:rPr lang="en-CA" smtClean="0"/>
-              <a:t>31/07/2016</a:t>
+              <a:t>05/08/2016</a:t>
             </a:fld>
             <a:endParaRPr lang="en-CA"/>
           </a:p>
@@ -1870,7 +1870,7 @@
     </p:spTree>
     <p:extLst>
       <p:ext uri="{BB962C8B-B14F-4D97-AF65-F5344CB8AC3E}">
-        <p14:creationId xmlns:p14="http://schemas.microsoft.com/office/powerpoint/2010/main" val="3036414981"/>
+        <p14:creationId xmlns:p14="http://schemas.microsoft.com/office/powerpoint/2010/main" val="4014553063"/>
       </p:ext>
     </p:extLst>
   </p:cSld>
@@ -1909,15 +1909,15 @@
         </p:nvSpPr>
         <p:spPr>
           <a:xfrm>
-            <a:off x="694356" y="599969"/>
-            <a:ext cx="3251264" cy="2099892"/>
+            <a:off x="575277" y="479954"/>
+            <a:ext cx="2693685" cy="1679840"/>
           </a:xfrm>
         </p:spPr>
         <p:txBody>
           <a:bodyPr anchor="b"/>
           <a:lstStyle>
             <a:lvl1pPr>
-              <a:defRPr sz="3528"/>
+              <a:defRPr sz="2923"/>
             </a:lvl1pPr>
           </a:lstStyle>
           <a:p>
@@ -1941,39 +1941,39 @@
         </p:nvSpPr>
         <p:spPr>
           <a:xfrm>
-            <a:off x="4285579" y="1295769"/>
-            <a:ext cx="5103316" cy="6395505"/>
+            <a:off x="3550619" y="1036570"/>
+            <a:ext cx="4228118" cy="5116178"/>
           </a:xfrm>
         </p:spPr>
         <p:txBody>
           <a:bodyPr/>
           <a:lstStyle>
             <a:lvl1pPr>
-              <a:defRPr sz="3528"/>
+              <a:defRPr sz="2923"/>
             </a:lvl1pPr>
             <a:lvl2pPr>
-              <a:defRPr sz="3087"/>
+              <a:defRPr sz="2558"/>
             </a:lvl2pPr>
             <a:lvl3pPr>
-              <a:defRPr sz="2646"/>
+              <a:defRPr sz="2192"/>
             </a:lvl3pPr>
             <a:lvl4pPr>
-              <a:defRPr sz="2205"/>
+              <a:defRPr sz="1827"/>
             </a:lvl4pPr>
             <a:lvl5pPr>
-              <a:defRPr sz="2205"/>
+              <a:defRPr sz="1827"/>
             </a:lvl5pPr>
             <a:lvl6pPr>
-              <a:defRPr sz="2205"/>
+              <a:defRPr sz="1827"/>
             </a:lvl6pPr>
             <a:lvl7pPr>
-              <a:defRPr sz="2205"/>
+              <a:defRPr sz="1827"/>
             </a:lvl7pPr>
             <a:lvl8pPr>
-              <a:defRPr sz="2205"/>
+              <a:defRPr sz="1827"/>
             </a:lvl8pPr>
             <a:lvl9pPr>
-              <a:defRPr sz="2205"/>
+              <a:defRPr sz="1827"/>
             </a:lvl9pPr>
           </a:lstStyle>
           <a:p>
@@ -2026,8 +2026,8 @@
         </p:nvSpPr>
         <p:spPr>
           <a:xfrm>
-            <a:off x="694356" y="2699862"/>
-            <a:ext cx="3251264" cy="5001827"/>
+            <a:off x="575277" y="2159794"/>
+            <a:ext cx="2693685" cy="4001285"/>
           </a:xfrm>
         </p:spPr>
         <p:txBody>
@@ -2035,39 +2035,39 @@
           <a:lstStyle>
             <a:lvl1pPr marL="0" indent="0">
               <a:buNone/>
-              <a:defRPr sz="1764"/>
+              <a:defRPr sz="1461"/>
             </a:lvl1pPr>
-            <a:lvl2pPr marL="504017" indent="0">
-              <a:buNone/>
-              <a:defRPr sz="1543"/>
+            <a:lvl2pPr marL="417606" indent="0">
+              <a:buNone/>
+              <a:defRPr sz="1279"/>
             </a:lvl2pPr>
-            <a:lvl3pPr marL="1008035" indent="0">
-              <a:buNone/>
-              <a:defRPr sz="1323"/>
+            <a:lvl3pPr marL="835213" indent="0">
+              <a:buNone/>
+              <a:defRPr sz="1096"/>
             </a:lvl3pPr>
-            <a:lvl4pPr marL="1512052" indent="0">
-              <a:buNone/>
-              <a:defRPr sz="1102"/>
+            <a:lvl4pPr marL="1252819" indent="0">
+              <a:buNone/>
+              <a:defRPr sz="913"/>
             </a:lvl4pPr>
-            <a:lvl5pPr marL="2016069" indent="0">
-              <a:buNone/>
-              <a:defRPr sz="1102"/>
+            <a:lvl5pPr marL="1670426" indent="0">
+              <a:buNone/>
+              <a:defRPr sz="913"/>
             </a:lvl5pPr>
-            <a:lvl6pPr marL="2520086" indent="0">
-              <a:buNone/>
-              <a:defRPr sz="1102"/>
+            <a:lvl6pPr marL="2088032" indent="0">
+              <a:buNone/>
+              <a:defRPr sz="913"/>
             </a:lvl6pPr>
-            <a:lvl7pPr marL="3024104" indent="0">
-              <a:buNone/>
-              <a:defRPr sz="1102"/>
+            <a:lvl7pPr marL="2505639" indent="0">
+              <a:buNone/>
+              <a:defRPr sz="913"/>
             </a:lvl7pPr>
-            <a:lvl8pPr marL="3528121" indent="0">
-              <a:buNone/>
-              <a:defRPr sz="1102"/>
+            <a:lvl8pPr marL="2923245" indent="0">
+              <a:buNone/>
+              <a:defRPr sz="913"/>
             </a:lvl8pPr>
-            <a:lvl9pPr marL="4032138" indent="0">
-              <a:buNone/>
-              <a:defRPr sz="1102"/>
+            <a:lvl9pPr marL="3340852" indent="0">
+              <a:buNone/>
+              <a:defRPr sz="913"/>
             </a:lvl9pPr>
           </a:lstStyle>
           <a:p>
@@ -2096,7 +2096,7 @@
           <a:p>
             <a:fld id="{9515DF3E-F12B-478A-A372-8B0BE7EFCB50}" type="datetimeFigureOut">
               <a:rPr lang="en-CA" smtClean="0"/>
-              <a:t>31/07/2016</a:t>
+              <a:t>05/08/2016</a:t>
             </a:fld>
             <a:endParaRPr lang="en-CA"/>
           </a:p>
@@ -2147,7 +2147,7 @@
     </p:spTree>
     <p:extLst>
       <p:ext uri="{BB962C8B-B14F-4D97-AF65-F5344CB8AC3E}">
-        <p14:creationId xmlns:p14="http://schemas.microsoft.com/office/powerpoint/2010/main" val="372161962"/>
+        <p14:creationId xmlns:p14="http://schemas.microsoft.com/office/powerpoint/2010/main" val="1131904925"/>
       </p:ext>
     </p:extLst>
   </p:cSld>
@@ -2186,15 +2186,15 @@
         </p:nvSpPr>
         <p:spPr>
           <a:xfrm>
-            <a:off x="694356" y="599969"/>
-            <a:ext cx="3251264" cy="2099892"/>
+            <a:off x="575277" y="479954"/>
+            <a:ext cx="2693685" cy="1679840"/>
           </a:xfrm>
         </p:spPr>
         <p:txBody>
           <a:bodyPr anchor="b"/>
           <a:lstStyle>
             <a:lvl1pPr>
-              <a:defRPr sz="3528"/>
+              <a:defRPr sz="2923"/>
             </a:lvl1pPr>
           </a:lstStyle>
           <a:p>
@@ -2218,8 +2218,8 @@
         </p:nvSpPr>
         <p:spPr>
           <a:xfrm>
-            <a:off x="4285579" y="1295769"/>
-            <a:ext cx="5103316" cy="6395505"/>
+            <a:off x="3550619" y="1036570"/>
+            <a:ext cx="4228118" cy="5116178"/>
           </a:xfrm>
         </p:spPr>
         <p:txBody>
@@ -2227,39 +2227,39 @@
           <a:lstStyle>
             <a:lvl1pPr marL="0" indent="0">
               <a:buNone/>
-              <a:defRPr sz="3528"/>
+              <a:defRPr sz="2923"/>
             </a:lvl1pPr>
-            <a:lvl2pPr marL="504017" indent="0">
-              <a:buNone/>
-              <a:defRPr sz="3087"/>
+            <a:lvl2pPr marL="417606" indent="0">
+              <a:buNone/>
+              <a:defRPr sz="2558"/>
             </a:lvl2pPr>
-            <a:lvl3pPr marL="1008035" indent="0">
-              <a:buNone/>
-              <a:defRPr sz="2646"/>
+            <a:lvl3pPr marL="835213" indent="0">
+              <a:buNone/>
+              <a:defRPr sz="2192"/>
             </a:lvl3pPr>
-            <a:lvl4pPr marL="1512052" indent="0">
-              <a:buNone/>
-              <a:defRPr sz="2205"/>
+            <a:lvl4pPr marL="1252819" indent="0">
+              <a:buNone/>
+              <a:defRPr sz="1827"/>
             </a:lvl4pPr>
-            <a:lvl5pPr marL="2016069" indent="0">
-              <a:buNone/>
-              <a:defRPr sz="2205"/>
+            <a:lvl5pPr marL="1670426" indent="0">
+              <a:buNone/>
+              <a:defRPr sz="1827"/>
             </a:lvl5pPr>
-            <a:lvl6pPr marL="2520086" indent="0">
-              <a:buNone/>
-              <a:defRPr sz="2205"/>
+            <a:lvl6pPr marL="2088032" indent="0">
+              <a:buNone/>
+              <a:defRPr sz="1827"/>
             </a:lvl6pPr>
-            <a:lvl7pPr marL="3024104" indent="0">
-              <a:buNone/>
-              <a:defRPr sz="2205"/>
+            <a:lvl7pPr marL="2505639" indent="0">
+              <a:buNone/>
+              <a:defRPr sz="1827"/>
             </a:lvl7pPr>
-            <a:lvl8pPr marL="3528121" indent="0">
-              <a:buNone/>
-              <a:defRPr sz="2205"/>
+            <a:lvl8pPr marL="2923245" indent="0">
+              <a:buNone/>
+              <a:defRPr sz="1827"/>
             </a:lvl8pPr>
-            <a:lvl9pPr marL="4032138" indent="0">
-              <a:buNone/>
-              <a:defRPr sz="2205"/>
+            <a:lvl9pPr marL="3340852" indent="0">
+              <a:buNone/>
+              <a:defRPr sz="1827"/>
             </a:lvl9pPr>
           </a:lstStyle>
           <a:p>
@@ -2283,8 +2283,8 @@
         </p:nvSpPr>
         <p:spPr>
           <a:xfrm>
-            <a:off x="694356" y="2699862"/>
-            <a:ext cx="3251264" cy="5001827"/>
+            <a:off x="575277" y="2159794"/>
+            <a:ext cx="2693685" cy="4001285"/>
           </a:xfrm>
         </p:spPr>
         <p:txBody>
@@ -2292,39 +2292,39 @@
           <a:lstStyle>
             <a:lvl1pPr marL="0" indent="0">
               <a:buNone/>
-              <a:defRPr sz="1764"/>
+              <a:defRPr sz="1461"/>
             </a:lvl1pPr>
-            <a:lvl2pPr marL="504017" indent="0">
-              <a:buNone/>
-              <a:defRPr sz="1543"/>
+            <a:lvl2pPr marL="417606" indent="0">
+              <a:buNone/>
+              <a:defRPr sz="1279"/>
             </a:lvl2pPr>
-            <a:lvl3pPr marL="1008035" indent="0">
-              <a:buNone/>
-              <a:defRPr sz="1323"/>
+            <a:lvl3pPr marL="835213" indent="0">
+              <a:buNone/>
+              <a:defRPr sz="1096"/>
             </a:lvl3pPr>
-            <a:lvl4pPr marL="1512052" indent="0">
-              <a:buNone/>
-              <a:defRPr sz="1102"/>
+            <a:lvl4pPr marL="1252819" indent="0">
+              <a:buNone/>
+              <a:defRPr sz="913"/>
             </a:lvl4pPr>
-            <a:lvl5pPr marL="2016069" indent="0">
-              <a:buNone/>
-              <a:defRPr sz="1102"/>
+            <a:lvl5pPr marL="1670426" indent="0">
+              <a:buNone/>
+              <a:defRPr sz="913"/>
             </a:lvl5pPr>
-            <a:lvl6pPr marL="2520086" indent="0">
-              <a:buNone/>
-              <a:defRPr sz="1102"/>
+            <a:lvl6pPr marL="2088032" indent="0">
+              <a:buNone/>
+              <a:defRPr sz="913"/>
             </a:lvl6pPr>
-            <a:lvl7pPr marL="3024104" indent="0">
-              <a:buNone/>
-              <a:defRPr sz="1102"/>
+            <a:lvl7pPr marL="2505639" indent="0">
+              <a:buNone/>
+              <a:defRPr sz="913"/>
             </a:lvl7pPr>
-            <a:lvl8pPr marL="3528121" indent="0">
-              <a:buNone/>
-              <a:defRPr sz="1102"/>
+            <a:lvl8pPr marL="2923245" indent="0">
+              <a:buNone/>
+              <a:defRPr sz="913"/>
             </a:lvl8pPr>
-            <a:lvl9pPr marL="4032138" indent="0">
-              <a:buNone/>
-              <a:defRPr sz="1102"/>
+            <a:lvl9pPr marL="3340852" indent="0">
+              <a:buNone/>
+              <a:defRPr sz="913"/>
             </a:lvl9pPr>
           </a:lstStyle>
           <a:p>
@@ -2353,7 +2353,7 @@
           <a:p>
             <a:fld id="{9515DF3E-F12B-478A-A372-8B0BE7EFCB50}" type="datetimeFigureOut">
               <a:rPr lang="en-CA" smtClean="0"/>
-              <a:t>31/07/2016</a:t>
+              <a:t>05/08/2016</a:t>
             </a:fld>
             <a:endParaRPr lang="en-CA"/>
           </a:p>
@@ -2404,7 +2404,7 @@
     </p:spTree>
     <p:extLst>
       <p:ext uri="{BB962C8B-B14F-4D97-AF65-F5344CB8AC3E}">
-        <p14:creationId xmlns:p14="http://schemas.microsoft.com/office/powerpoint/2010/main" val="2762745517"/>
+        <p14:creationId xmlns:p14="http://schemas.microsoft.com/office/powerpoint/2010/main" val="152263264"/>
       </p:ext>
     </p:extLst>
   </p:cSld>
@@ -2448,8 +2448,8 @@
         </p:nvSpPr>
         <p:spPr>
           <a:xfrm>
-            <a:off x="693043" y="479144"/>
-            <a:ext cx="8694539" cy="1739495"/>
+            <a:off x="574189" y="383299"/>
+            <a:ext cx="7203460" cy="1391534"/>
           </a:xfrm>
           <a:prstGeom prst="rect">
             <a:avLst/>
@@ -2481,8 +2481,8 @@
         </p:nvSpPr>
         <p:spPr>
           <a:xfrm>
-            <a:off x="693043" y="2395710"/>
-            <a:ext cx="8694539" cy="5710124"/>
+            <a:off x="574189" y="1916484"/>
+            <a:ext cx="7203460" cy="4567898"/>
           </a:xfrm>
           <a:prstGeom prst="rect">
             <a:avLst/>
@@ -2543,8 +2543,8 @@
         </p:nvSpPr>
         <p:spPr>
           <a:xfrm>
-            <a:off x="693043" y="8341240"/>
-            <a:ext cx="2268141" cy="479142"/>
+            <a:off x="574189" y="6672698"/>
+            <a:ext cx="1879164" cy="383297"/>
           </a:xfrm>
           <a:prstGeom prst="rect">
             <a:avLst/>
@@ -2554,7 +2554,7 @@
           <a:bodyPr vert="horz" lIns="91440" tIns="45720" rIns="91440" bIns="45720" rtlCol="0" anchor="ctr"/>
           <a:lstStyle>
             <a:lvl1pPr algn="l">
-              <a:defRPr sz="1323">
+              <a:defRPr sz="1096">
                 <a:solidFill>
                   <a:schemeClr val="tx1">
                     <a:tint val="75000"/>
@@ -2566,7 +2566,7 @@
           <a:p>
             <a:fld id="{9515DF3E-F12B-478A-A372-8B0BE7EFCB50}" type="datetimeFigureOut">
               <a:rPr lang="en-CA" smtClean="0"/>
-              <a:t>31/07/2016</a:t>
+              <a:t>05/08/2016</a:t>
             </a:fld>
             <a:endParaRPr lang="en-CA"/>
           </a:p>
@@ -2584,8 +2584,8 @@
         </p:nvSpPr>
         <p:spPr>
           <a:xfrm>
-            <a:off x="3339207" y="8341240"/>
-            <a:ext cx="3402211" cy="479142"/>
+            <a:off x="2766547" y="6672698"/>
+            <a:ext cx="2818745" cy="383297"/>
           </a:xfrm>
           <a:prstGeom prst="rect">
             <a:avLst/>
@@ -2595,7 +2595,7 @@
           <a:bodyPr vert="horz" lIns="91440" tIns="45720" rIns="91440" bIns="45720" rtlCol="0" anchor="ctr"/>
           <a:lstStyle>
             <a:lvl1pPr algn="ctr">
-              <a:defRPr sz="1323">
+              <a:defRPr sz="1096">
                 <a:solidFill>
                   <a:schemeClr val="tx1">
                     <a:tint val="75000"/>
@@ -2621,8 +2621,8 @@
         </p:nvSpPr>
         <p:spPr>
           <a:xfrm>
-            <a:off x="7119441" y="8341240"/>
-            <a:ext cx="2268141" cy="479142"/>
+            <a:off x="5898485" y="6672698"/>
+            <a:ext cx="1879164" cy="383297"/>
           </a:xfrm>
           <a:prstGeom prst="rect">
             <a:avLst/>
@@ -2632,7 +2632,7 @@
           <a:bodyPr vert="horz" lIns="91440" tIns="45720" rIns="91440" bIns="45720" rtlCol="0" anchor="ctr"/>
           <a:lstStyle>
             <a:lvl1pPr algn="r">
-              <a:defRPr sz="1323">
+              <a:defRPr sz="1096">
                 <a:solidFill>
                   <a:schemeClr val="tx1">
                     <a:tint val="75000"/>
@@ -2653,27 +2653,27 @@
     </p:spTree>
     <p:extLst>
       <p:ext uri="{BB962C8B-B14F-4D97-AF65-F5344CB8AC3E}">
-        <p14:creationId xmlns:p14="http://schemas.microsoft.com/office/powerpoint/2010/main" val="3636830684"/>
+        <p14:creationId xmlns:p14="http://schemas.microsoft.com/office/powerpoint/2010/main" val="2051429071"/>
       </p:ext>
     </p:extLst>
   </p:cSld>
   <p:clrMap bg1="lt1" tx1="dk1" bg2="lt2" tx2="dk2" accent1="accent1" accent2="accent2" accent3="accent3" accent4="accent4" accent5="accent5" accent6="accent6" hlink="hlink" folHlink="folHlink"/>
   <p:sldLayoutIdLst>
-    <p:sldLayoutId id="2147483733" r:id="rId1"/>
-    <p:sldLayoutId id="2147483734" r:id="rId2"/>
-    <p:sldLayoutId id="2147483735" r:id="rId3"/>
-    <p:sldLayoutId id="2147483736" r:id="rId4"/>
-    <p:sldLayoutId id="2147483737" r:id="rId5"/>
-    <p:sldLayoutId id="2147483738" r:id="rId6"/>
-    <p:sldLayoutId id="2147483739" r:id="rId7"/>
-    <p:sldLayoutId id="2147483740" r:id="rId8"/>
-    <p:sldLayoutId id="2147483741" r:id="rId9"/>
-    <p:sldLayoutId id="2147483742" r:id="rId10"/>
-    <p:sldLayoutId id="2147483743" r:id="rId11"/>
+    <p:sldLayoutId id="2147483793" r:id="rId1"/>
+    <p:sldLayoutId id="2147483794" r:id="rId2"/>
+    <p:sldLayoutId id="2147483795" r:id="rId3"/>
+    <p:sldLayoutId id="2147483796" r:id="rId4"/>
+    <p:sldLayoutId id="2147483797" r:id="rId5"/>
+    <p:sldLayoutId id="2147483798" r:id="rId6"/>
+    <p:sldLayoutId id="2147483799" r:id="rId7"/>
+    <p:sldLayoutId id="2147483800" r:id="rId8"/>
+    <p:sldLayoutId id="2147483801" r:id="rId9"/>
+    <p:sldLayoutId id="2147483802" r:id="rId10"/>
+    <p:sldLayoutId id="2147483803" r:id="rId11"/>
   </p:sldLayoutIdLst>
   <p:txStyles>
     <p:titleStyle>
-      <a:lvl1pPr algn="l" defTabSz="1008035" rtl="0" eaLnBrk="1" latinLnBrk="0" hangingPunct="1">
+      <a:lvl1pPr algn="l" defTabSz="835213" rtl="0" eaLnBrk="1" latinLnBrk="0" hangingPunct="1">
         <a:lnSpc>
           <a:spcPct val="90000"/>
         </a:lnSpc>
@@ -2681,7 +2681,7 @@
           <a:spcPct val="0"/>
         </a:spcBef>
         <a:buNone/>
-        <a:defRPr sz="4851" kern="1200">
+        <a:defRPr sz="4019" kern="1200">
           <a:solidFill>
             <a:schemeClr val="tx1"/>
           </a:solidFill>
@@ -2692,16 +2692,16 @@
       </a:lvl1pPr>
     </p:titleStyle>
     <p:bodyStyle>
-      <a:lvl1pPr marL="252009" indent="-252009" algn="l" defTabSz="1008035" rtl="0" eaLnBrk="1" latinLnBrk="0" hangingPunct="1">
+      <a:lvl1pPr marL="208803" indent="-208803" algn="l" defTabSz="835213" rtl="0" eaLnBrk="1" latinLnBrk="0" hangingPunct="1">
         <a:lnSpc>
           <a:spcPct val="90000"/>
         </a:lnSpc>
         <a:spcBef>
-          <a:spcPts val="1102"/>
+          <a:spcPts val="913"/>
         </a:spcBef>
         <a:buFont typeface="Arial" panose="020B0604020202020204" pitchFamily="34" charset="0"/>
         <a:buChar char="•"/>
-        <a:defRPr sz="3087" kern="1200">
+        <a:defRPr sz="2558" kern="1200">
           <a:solidFill>
             <a:schemeClr val="tx1"/>
           </a:solidFill>
@@ -2710,16 +2710,16 @@
           <a:cs typeface="+mn-cs"/>
         </a:defRPr>
       </a:lvl1pPr>
-      <a:lvl2pPr marL="756026" indent="-252009" algn="l" defTabSz="1008035" rtl="0" eaLnBrk="1" latinLnBrk="0" hangingPunct="1">
+      <a:lvl2pPr marL="626410" indent="-208803" algn="l" defTabSz="835213" rtl="0" eaLnBrk="1" latinLnBrk="0" hangingPunct="1">
         <a:lnSpc>
           <a:spcPct val="90000"/>
         </a:lnSpc>
         <a:spcBef>
-          <a:spcPts val="551"/>
+          <a:spcPts val="457"/>
         </a:spcBef>
         <a:buFont typeface="Arial" panose="020B0604020202020204" pitchFamily="34" charset="0"/>
         <a:buChar char="•"/>
-        <a:defRPr sz="2646" kern="1200">
+        <a:defRPr sz="2192" kern="1200">
           <a:solidFill>
             <a:schemeClr val="tx1"/>
           </a:solidFill>
@@ -2728,16 +2728,16 @@
           <a:cs typeface="+mn-cs"/>
         </a:defRPr>
       </a:lvl2pPr>
-      <a:lvl3pPr marL="1260043" indent="-252009" algn="l" defTabSz="1008035" rtl="0" eaLnBrk="1" latinLnBrk="0" hangingPunct="1">
+      <a:lvl3pPr marL="1044016" indent="-208803" algn="l" defTabSz="835213" rtl="0" eaLnBrk="1" latinLnBrk="0" hangingPunct="1">
         <a:lnSpc>
           <a:spcPct val="90000"/>
         </a:lnSpc>
         <a:spcBef>
-          <a:spcPts val="551"/>
+          <a:spcPts val="457"/>
         </a:spcBef>
         <a:buFont typeface="Arial" panose="020B0604020202020204" pitchFamily="34" charset="0"/>
         <a:buChar char="•"/>
-        <a:defRPr sz="2205" kern="1200">
+        <a:defRPr sz="1827" kern="1200">
           <a:solidFill>
             <a:schemeClr val="tx1"/>
           </a:solidFill>
@@ -2746,16 +2746,16 @@
           <a:cs typeface="+mn-cs"/>
         </a:defRPr>
       </a:lvl3pPr>
-      <a:lvl4pPr marL="1764060" indent="-252009" algn="l" defTabSz="1008035" rtl="0" eaLnBrk="1" latinLnBrk="0" hangingPunct="1">
+      <a:lvl4pPr marL="1461623" indent="-208803" algn="l" defTabSz="835213" rtl="0" eaLnBrk="1" latinLnBrk="0" hangingPunct="1">
         <a:lnSpc>
           <a:spcPct val="90000"/>
         </a:lnSpc>
         <a:spcBef>
-          <a:spcPts val="551"/>
+          <a:spcPts val="457"/>
         </a:spcBef>
         <a:buFont typeface="Arial" panose="020B0604020202020204" pitchFamily="34" charset="0"/>
         <a:buChar char="•"/>
-        <a:defRPr sz="1984" kern="1200">
+        <a:defRPr sz="1644" kern="1200">
           <a:solidFill>
             <a:schemeClr val="tx1"/>
           </a:solidFill>
@@ -2764,16 +2764,16 @@
           <a:cs typeface="+mn-cs"/>
         </a:defRPr>
       </a:lvl4pPr>
-      <a:lvl5pPr marL="2268078" indent="-252009" algn="l" defTabSz="1008035" rtl="0" eaLnBrk="1" latinLnBrk="0" hangingPunct="1">
+      <a:lvl5pPr marL="1879229" indent="-208803" algn="l" defTabSz="835213" rtl="0" eaLnBrk="1" latinLnBrk="0" hangingPunct="1">
         <a:lnSpc>
           <a:spcPct val="90000"/>
         </a:lnSpc>
         <a:spcBef>
-          <a:spcPts val="551"/>
+          <a:spcPts val="457"/>
         </a:spcBef>
         <a:buFont typeface="Arial" panose="020B0604020202020204" pitchFamily="34" charset="0"/>
         <a:buChar char="•"/>
-        <a:defRPr sz="1984" kern="1200">
+        <a:defRPr sz="1644" kern="1200">
           <a:solidFill>
             <a:schemeClr val="tx1"/>
           </a:solidFill>
@@ -2782,16 +2782,16 @@
           <a:cs typeface="+mn-cs"/>
         </a:defRPr>
       </a:lvl5pPr>
-      <a:lvl6pPr marL="2772095" indent="-252009" algn="l" defTabSz="1008035" rtl="0" eaLnBrk="1" latinLnBrk="0" hangingPunct="1">
+      <a:lvl6pPr marL="2296836" indent="-208803" algn="l" defTabSz="835213" rtl="0" eaLnBrk="1" latinLnBrk="0" hangingPunct="1">
         <a:lnSpc>
           <a:spcPct val="90000"/>
         </a:lnSpc>
         <a:spcBef>
-          <a:spcPts val="551"/>
+          <a:spcPts val="457"/>
         </a:spcBef>
         <a:buFont typeface="Arial" panose="020B0604020202020204" pitchFamily="34" charset="0"/>
         <a:buChar char="•"/>
-        <a:defRPr sz="1984" kern="1200">
+        <a:defRPr sz="1644" kern="1200">
           <a:solidFill>
             <a:schemeClr val="tx1"/>
           </a:solidFill>
@@ -2800,16 +2800,16 @@
           <a:cs typeface="+mn-cs"/>
         </a:defRPr>
       </a:lvl6pPr>
-      <a:lvl7pPr marL="3276112" indent="-252009" algn="l" defTabSz="1008035" rtl="0" eaLnBrk="1" latinLnBrk="0" hangingPunct="1">
+      <a:lvl7pPr marL="2714442" indent="-208803" algn="l" defTabSz="835213" rtl="0" eaLnBrk="1" latinLnBrk="0" hangingPunct="1">
         <a:lnSpc>
           <a:spcPct val="90000"/>
         </a:lnSpc>
         <a:spcBef>
-          <a:spcPts val="551"/>
+          <a:spcPts val="457"/>
         </a:spcBef>
         <a:buFont typeface="Arial" panose="020B0604020202020204" pitchFamily="34" charset="0"/>
         <a:buChar char="•"/>
-        <a:defRPr sz="1984" kern="1200">
+        <a:defRPr sz="1644" kern="1200">
           <a:solidFill>
             <a:schemeClr val="tx1"/>
           </a:solidFill>
@@ -2818,16 +2818,16 @@
           <a:cs typeface="+mn-cs"/>
         </a:defRPr>
       </a:lvl7pPr>
-      <a:lvl8pPr marL="3780130" indent="-252009" algn="l" defTabSz="1008035" rtl="0" eaLnBrk="1" latinLnBrk="0" hangingPunct="1">
+      <a:lvl8pPr marL="3132049" indent="-208803" algn="l" defTabSz="835213" rtl="0" eaLnBrk="1" latinLnBrk="0" hangingPunct="1">
         <a:lnSpc>
           <a:spcPct val="90000"/>
         </a:lnSpc>
         <a:spcBef>
-          <a:spcPts val="551"/>
+          <a:spcPts val="457"/>
         </a:spcBef>
         <a:buFont typeface="Arial" panose="020B0604020202020204" pitchFamily="34" charset="0"/>
         <a:buChar char="•"/>
-        <a:defRPr sz="1984" kern="1200">
+        <a:defRPr sz="1644" kern="1200">
           <a:solidFill>
             <a:schemeClr val="tx1"/>
           </a:solidFill>
@@ -2836,16 +2836,16 @@
           <a:cs typeface="+mn-cs"/>
         </a:defRPr>
       </a:lvl8pPr>
-      <a:lvl9pPr marL="4284147" indent="-252009" algn="l" defTabSz="1008035" rtl="0" eaLnBrk="1" latinLnBrk="0" hangingPunct="1">
+      <a:lvl9pPr marL="3549655" indent="-208803" algn="l" defTabSz="835213" rtl="0" eaLnBrk="1" latinLnBrk="0" hangingPunct="1">
         <a:lnSpc>
           <a:spcPct val="90000"/>
         </a:lnSpc>
         <a:spcBef>
-          <a:spcPts val="551"/>
+          <a:spcPts val="457"/>
         </a:spcBef>
         <a:buFont typeface="Arial" panose="020B0604020202020204" pitchFamily="34" charset="0"/>
         <a:buChar char="•"/>
-        <a:defRPr sz="1984" kern="1200">
+        <a:defRPr sz="1644" kern="1200">
           <a:solidFill>
             <a:schemeClr val="tx1"/>
           </a:solidFill>
@@ -2859,8 +2859,8 @@
       <a:defPPr>
         <a:defRPr lang="en-US"/>
       </a:defPPr>
-      <a:lvl1pPr marL="0" algn="l" defTabSz="1008035" rtl="0" eaLnBrk="1" latinLnBrk="0" hangingPunct="1">
-        <a:defRPr sz="1984" kern="1200">
+      <a:lvl1pPr marL="0" algn="l" defTabSz="835213" rtl="0" eaLnBrk="1" latinLnBrk="0" hangingPunct="1">
+        <a:defRPr sz="1644" kern="1200">
           <a:solidFill>
             <a:schemeClr val="tx1"/>
           </a:solidFill>
@@ -2869,8 +2869,8 @@
           <a:cs typeface="+mn-cs"/>
         </a:defRPr>
       </a:lvl1pPr>
-      <a:lvl2pPr marL="504017" algn="l" defTabSz="1008035" rtl="0" eaLnBrk="1" latinLnBrk="0" hangingPunct="1">
-        <a:defRPr sz="1984" kern="1200">
+      <a:lvl2pPr marL="417606" algn="l" defTabSz="835213" rtl="0" eaLnBrk="1" latinLnBrk="0" hangingPunct="1">
+        <a:defRPr sz="1644" kern="1200">
           <a:solidFill>
             <a:schemeClr val="tx1"/>
           </a:solidFill>
@@ -2879,8 +2879,8 @@
           <a:cs typeface="+mn-cs"/>
         </a:defRPr>
       </a:lvl2pPr>
-      <a:lvl3pPr marL="1008035" algn="l" defTabSz="1008035" rtl="0" eaLnBrk="1" latinLnBrk="0" hangingPunct="1">
-        <a:defRPr sz="1984" kern="1200">
+      <a:lvl3pPr marL="835213" algn="l" defTabSz="835213" rtl="0" eaLnBrk="1" latinLnBrk="0" hangingPunct="1">
+        <a:defRPr sz="1644" kern="1200">
           <a:solidFill>
             <a:schemeClr val="tx1"/>
           </a:solidFill>
@@ -2889,8 +2889,8 @@
           <a:cs typeface="+mn-cs"/>
         </a:defRPr>
       </a:lvl3pPr>
-      <a:lvl4pPr marL="1512052" algn="l" defTabSz="1008035" rtl="0" eaLnBrk="1" latinLnBrk="0" hangingPunct="1">
-        <a:defRPr sz="1984" kern="1200">
+      <a:lvl4pPr marL="1252819" algn="l" defTabSz="835213" rtl="0" eaLnBrk="1" latinLnBrk="0" hangingPunct="1">
+        <a:defRPr sz="1644" kern="1200">
           <a:solidFill>
             <a:schemeClr val="tx1"/>
           </a:solidFill>
@@ -2899,8 +2899,8 @@
           <a:cs typeface="+mn-cs"/>
         </a:defRPr>
       </a:lvl4pPr>
-      <a:lvl5pPr marL="2016069" algn="l" defTabSz="1008035" rtl="0" eaLnBrk="1" latinLnBrk="0" hangingPunct="1">
-        <a:defRPr sz="1984" kern="1200">
+      <a:lvl5pPr marL="1670426" algn="l" defTabSz="835213" rtl="0" eaLnBrk="1" latinLnBrk="0" hangingPunct="1">
+        <a:defRPr sz="1644" kern="1200">
           <a:solidFill>
             <a:schemeClr val="tx1"/>
           </a:solidFill>
@@ -2909,8 +2909,8 @@
           <a:cs typeface="+mn-cs"/>
         </a:defRPr>
       </a:lvl5pPr>
-      <a:lvl6pPr marL="2520086" algn="l" defTabSz="1008035" rtl="0" eaLnBrk="1" latinLnBrk="0" hangingPunct="1">
-        <a:defRPr sz="1984" kern="1200">
+      <a:lvl6pPr marL="2088032" algn="l" defTabSz="835213" rtl="0" eaLnBrk="1" latinLnBrk="0" hangingPunct="1">
+        <a:defRPr sz="1644" kern="1200">
           <a:solidFill>
             <a:schemeClr val="tx1"/>
           </a:solidFill>
@@ -2919,8 +2919,8 @@
           <a:cs typeface="+mn-cs"/>
         </a:defRPr>
       </a:lvl6pPr>
-      <a:lvl7pPr marL="3024104" algn="l" defTabSz="1008035" rtl="0" eaLnBrk="1" latinLnBrk="0" hangingPunct="1">
-        <a:defRPr sz="1984" kern="1200">
+      <a:lvl7pPr marL="2505639" algn="l" defTabSz="835213" rtl="0" eaLnBrk="1" latinLnBrk="0" hangingPunct="1">
+        <a:defRPr sz="1644" kern="1200">
           <a:solidFill>
             <a:schemeClr val="tx1"/>
           </a:solidFill>
@@ -2929,8 +2929,8 @@
           <a:cs typeface="+mn-cs"/>
         </a:defRPr>
       </a:lvl7pPr>
-      <a:lvl8pPr marL="3528121" algn="l" defTabSz="1008035" rtl="0" eaLnBrk="1" latinLnBrk="0" hangingPunct="1">
-        <a:defRPr sz="1984" kern="1200">
+      <a:lvl8pPr marL="2923245" algn="l" defTabSz="835213" rtl="0" eaLnBrk="1" latinLnBrk="0" hangingPunct="1">
+        <a:defRPr sz="1644" kern="1200">
           <a:solidFill>
             <a:schemeClr val="tx1"/>
           </a:solidFill>
@@ -2939,8 +2939,8 @@
           <a:cs typeface="+mn-cs"/>
         </a:defRPr>
       </a:lvl8pPr>
-      <a:lvl9pPr marL="4032138" algn="l" defTabSz="1008035" rtl="0" eaLnBrk="1" latinLnBrk="0" hangingPunct="1">
-        <a:defRPr sz="1984" kern="1200">
+      <a:lvl9pPr marL="3340852" algn="l" defTabSz="835213" rtl="0" eaLnBrk="1" latinLnBrk="0" hangingPunct="1">
+        <a:defRPr sz="1644" kern="1200">
           <a:solidFill>
             <a:schemeClr val="tx1"/>
           </a:solidFill>
@@ -2973,14 +2973,14 @@
       </p:grpSpPr>
       <p:sp>
         <p:nvSpPr>
-          <p:cNvPr id="37" name="Rectangle 36"/>
+          <p:cNvPr id="49" name="Rectangle 48"/>
           <p:cNvSpPr/>
           <p:nvPr/>
         </p:nvSpPr>
         <p:spPr>
           <a:xfrm>
-            <a:off x="147502" y="7067387"/>
-            <a:ext cx="9823811" cy="1557939"/>
+            <a:off x="596833" y="5732652"/>
+            <a:ext cx="7043098" cy="1137454"/>
           </a:xfrm>
           <a:prstGeom prst="rect">
             <a:avLst/>
@@ -3001,7 +3001,7 @@
           </a:fontRef>
         </p:style>
         <p:txBody>
-          <a:bodyPr rot="0" spcFirstLastPara="0" vertOverflow="overflow" horzOverflow="overflow" vert="horz" wrap="square" lIns="91450" tIns="45726" rIns="91450" bIns="45726" numCol="1" spcCol="0" rtlCol="0" fromWordArt="0" anchor="ctr" anchorCtr="0" forceAA="0" compatLnSpc="1">
+          <a:bodyPr rot="0" spcFirstLastPara="0" vertOverflow="overflow" horzOverflow="overflow" vert="horz" wrap="square" lIns="71439" tIns="35720" rIns="71439" bIns="35720" numCol="1" spcCol="0" rtlCol="0" fromWordArt="0" anchor="ctr" anchorCtr="0" forceAA="0" compatLnSpc="1">
             <a:prstTxWarp prst="textNoShape">
               <a:avLst/>
             </a:prstTxWarp>
@@ -3010,7 +3010,7 @@
           <a:lstStyle/>
           <a:p>
             <a:pPr algn="ctr"/>
-            <a:endParaRPr lang="en-CA">
+            <a:endParaRPr lang="en-CA" sz="1406">
               <a:solidFill>
                 <a:srgbClr val="666633"/>
               </a:solidFill>
@@ -3020,14 +3020,14 @@
       </p:sp>
       <p:sp>
         <p:nvSpPr>
-          <p:cNvPr id="4" name="Rectangle 3"/>
+          <p:cNvPr id="37" name="Rectangle 36"/>
           <p:cNvSpPr/>
           <p:nvPr/>
         </p:nvSpPr>
         <p:spPr>
           <a:xfrm>
-            <a:off x="142652" y="520216"/>
-            <a:ext cx="9823812" cy="2496795"/>
+            <a:off x="611813" y="3034471"/>
+            <a:ext cx="7028121" cy="1195481"/>
           </a:xfrm>
           <a:prstGeom prst="rect">
             <a:avLst/>
@@ -3048,7 +3048,7 @@
           </a:fontRef>
         </p:style>
         <p:txBody>
-          <a:bodyPr rot="0" spcFirstLastPara="0" vertOverflow="overflow" horzOverflow="overflow" vert="horz" wrap="square" lIns="91450" tIns="45726" rIns="91450" bIns="45726" numCol="1" spcCol="0" rtlCol="0" fromWordArt="0" anchor="ctr" anchorCtr="0" forceAA="0" compatLnSpc="1">
+          <a:bodyPr rot="0" spcFirstLastPara="0" vertOverflow="overflow" horzOverflow="overflow" vert="horz" wrap="square" lIns="71439" tIns="35720" rIns="71439" bIns="35720" numCol="1" spcCol="0" rtlCol="0" fromWordArt="0" anchor="ctr" anchorCtr="0" forceAA="0" compatLnSpc="1">
             <a:prstTxWarp prst="textNoShape">
               <a:avLst/>
             </a:prstTxWarp>
@@ -3057,7 +3057,7 @@
           <a:lstStyle/>
           <a:p>
             <a:pPr algn="ctr"/>
-            <a:endParaRPr lang="en-CA">
+            <a:endParaRPr lang="en-CA" sz="1406">
               <a:solidFill>
                 <a:srgbClr val="666633"/>
               </a:solidFill>
@@ -3067,14 +3067,61 @@
       </p:sp>
       <p:sp>
         <p:nvSpPr>
+          <p:cNvPr id="4" name="Rectangle 3"/>
+          <p:cNvSpPr/>
+          <p:nvPr/>
+        </p:nvSpPr>
+        <p:spPr>
+          <a:xfrm>
+            <a:off x="573287" y="243499"/>
+            <a:ext cx="7043094" cy="2599050"/>
+          </a:xfrm>
+          <a:prstGeom prst="rect">
+            <a:avLst/>
+          </a:prstGeom>
+        </p:spPr>
+        <p:style>
+          <a:lnRef idx="2">
+            <a:schemeClr val="dk1"/>
+          </a:lnRef>
+          <a:fillRef idx="1">
+            <a:schemeClr val="lt1"/>
+          </a:fillRef>
+          <a:effectRef idx="0">
+            <a:schemeClr val="dk1"/>
+          </a:effectRef>
+          <a:fontRef idx="minor">
+            <a:schemeClr val="dk1"/>
+          </a:fontRef>
+        </p:style>
+        <p:txBody>
+          <a:bodyPr rot="0" spcFirstLastPara="0" vertOverflow="overflow" horzOverflow="overflow" vert="horz" wrap="square" lIns="71439" tIns="35720" rIns="71439" bIns="35720" numCol="1" spcCol="0" rtlCol="0" fromWordArt="0" anchor="ctr" anchorCtr="0" forceAA="0" compatLnSpc="1">
+            <a:prstTxWarp prst="textNoShape">
+              <a:avLst/>
+            </a:prstTxWarp>
+            <a:noAutofit/>
+          </a:bodyPr>
+          <a:lstStyle/>
+          <a:p>
+            <a:pPr algn="ctr"/>
+            <a:endParaRPr lang="en-CA" sz="1406">
+              <a:solidFill>
+                <a:srgbClr val="666633"/>
+              </a:solidFill>
+            </a:endParaRPr>
+          </a:p>
+        </p:txBody>
+      </p:sp>
+      <p:sp>
+        <p:nvSpPr>
           <p:cNvPr id="5" name="Flowchart: Magnetic Disk 4"/>
           <p:cNvSpPr/>
           <p:nvPr/>
         </p:nvSpPr>
         <p:spPr>
           <a:xfrm>
-            <a:off x="449825" y="727672"/>
-            <a:ext cx="1034260" cy="1156735"/>
+            <a:off x="961303" y="497376"/>
+            <a:ext cx="807940" cy="903615"/>
           </a:xfrm>
           <a:prstGeom prst="flowChartMagneticDisk">
             <a:avLst/>
@@ -3115,7 +3162,7 @@
           </a:fontRef>
         </p:style>
         <p:txBody>
-          <a:bodyPr rot="0" spcFirstLastPara="0" vertOverflow="overflow" horzOverflow="overflow" vert="horz" wrap="square" lIns="91450" tIns="45726" rIns="91450" bIns="45726" numCol="1" spcCol="0" rtlCol="0" fromWordArt="0" anchor="ctr" anchorCtr="0" forceAA="0" compatLnSpc="1">
+          <a:bodyPr rot="0" spcFirstLastPara="0" vertOverflow="overflow" horzOverflow="overflow" vert="horz" wrap="square" lIns="71439" tIns="35720" rIns="71439" bIns="35720" numCol="1" spcCol="0" rtlCol="0" fromWordArt="0" anchor="ctr" anchorCtr="0" forceAA="0" compatLnSpc="1">
             <a:prstTxWarp prst="textNoShape">
               <a:avLst/>
             </a:prstTxWarp>
@@ -3125,7 +3172,7 @@
           <a:p>
             <a:pPr algn="ctr"/>
             <a:r>
-              <a:rPr lang="en-CA" dirty="0">
+              <a:rPr lang="en-CA" sz="1406" dirty="0">
                 <a:solidFill>
                   <a:srgbClr val="666633"/>
                 </a:solidFill>
@@ -3143,8 +3190,8 @@
         </p:nvSpPr>
         <p:spPr>
           <a:xfrm>
-            <a:off x="1862087" y="953459"/>
-            <a:ext cx="250398" cy="522572"/>
+            <a:off x="2063994" y="688694"/>
+            <a:ext cx="195605" cy="408221"/>
           </a:xfrm>
           <a:prstGeom prst="rightArrow">
             <a:avLst/>
@@ -3187,7 +3234,7 @@
           </a:fontRef>
         </p:style>
         <p:txBody>
-          <a:bodyPr rot="0" spcFirstLastPara="0" vertOverflow="overflow" horzOverflow="overflow" vert="horz" wrap="square" lIns="91450" tIns="45726" rIns="91450" bIns="45726" numCol="1" spcCol="0" rtlCol="0" fromWordArt="0" anchor="ctr" anchorCtr="0" forceAA="0" compatLnSpc="1">
+          <a:bodyPr rot="0" spcFirstLastPara="0" vertOverflow="overflow" horzOverflow="overflow" vert="horz" wrap="square" lIns="71439" tIns="35720" rIns="71439" bIns="35720" numCol="1" spcCol="0" rtlCol="0" fromWordArt="0" anchor="ctr" anchorCtr="0" forceAA="0" compatLnSpc="1">
             <a:prstTxWarp prst="textNoShape">
               <a:avLst/>
             </a:prstTxWarp>
@@ -3196,7 +3243,7 @@
           <a:lstStyle/>
           <a:p>
             <a:pPr algn="ctr"/>
-            <a:endParaRPr lang="en-CA" dirty="0">
+            <a:endParaRPr lang="en-CA" sz="1406" dirty="0">
               <a:solidFill>
                 <a:srgbClr val="666633"/>
               </a:solidFill>
@@ -3212,8 +3259,8 @@
         </p:nvSpPr>
         <p:spPr>
           <a:xfrm>
-            <a:off x="2415031" y="944018"/>
-            <a:ext cx="1620604" cy="522572"/>
+            <a:off x="2578374" y="573334"/>
+            <a:ext cx="2025616" cy="654875"/>
           </a:xfrm>
           <a:prstGeom prst="roundRect">
             <a:avLst/>
@@ -3254,7 +3301,7 @@
           </a:fontRef>
         </p:style>
         <p:txBody>
-          <a:bodyPr rot="0" spcFirstLastPara="0" vertOverflow="overflow" horzOverflow="overflow" vert="horz" wrap="square" lIns="91450" tIns="45726" rIns="91450" bIns="45726" numCol="1" spcCol="0" rtlCol="0" fromWordArt="0" anchor="ctr" anchorCtr="0" forceAA="0" compatLnSpc="1">
+          <a:bodyPr rot="0" spcFirstLastPara="0" vertOverflow="overflow" horzOverflow="overflow" vert="horz" wrap="square" lIns="71439" tIns="35720" rIns="71439" bIns="35720" numCol="1" spcCol="0" rtlCol="0" fromWordArt="0" anchor="ctr" anchorCtr="0" forceAA="0" compatLnSpc="1">
             <a:prstTxWarp prst="textNoShape">
               <a:avLst/>
             </a:prstTxWarp>
@@ -3264,12 +3311,12 @@
           <a:p>
             <a:pPr algn="ctr"/>
             <a:r>
-              <a:rPr lang="en-CA" dirty="0">
+              <a:rPr lang="en-CA" sz="1406" dirty="0">
                 <a:solidFill>
                   <a:srgbClr val="666633"/>
                 </a:solidFill>
               </a:rPr>
-              <a:t>1. Eclipse JDT</a:t>
+              <a:t>Extracting AST of LMs</a:t>
             </a:r>
           </a:p>
         </p:txBody>
@@ -3282,8 +3329,8 @@
         </p:nvSpPr>
         <p:spPr>
           <a:xfrm>
-            <a:off x="5100878" y="906623"/>
-            <a:ext cx="1622151" cy="642328"/>
+            <a:off x="5488366" y="631150"/>
+            <a:ext cx="1267187" cy="501772"/>
           </a:xfrm>
           <a:prstGeom prst="flowChartMultidocument">
             <a:avLst/>
@@ -3324,7 +3371,7 @@
           </a:fontRef>
         </p:style>
         <p:txBody>
-          <a:bodyPr rot="0" spcFirstLastPara="0" vertOverflow="overflow" horzOverflow="overflow" vert="horz" wrap="square" lIns="91450" tIns="45726" rIns="91450" bIns="45726" numCol="1" spcCol="0" rtlCol="0" fromWordArt="0" anchor="ctr" anchorCtr="0" forceAA="0" compatLnSpc="1">
+          <a:bodyPr rot="0" spcFirstLastPara="0" vertOverflow="overflow" horzOverflow="overflow" vert="horz" wrap="square" lIns="71439" tIns="35720" rIns="71439" bIns="35720" numCol="1" spcCol="0" rtlCol="0" fromWordArt="0" anchor="ctr" anchorCtr="0" forceAA="0" compatLnSpc="1">
             <a:prstTxWarp prst="textNoShape">
               <a:avLst/>
             </a:prstTxWarp>
@@ -3334,12 +3381,12 @@
           <a:p>
             <a:pPr algn="ctr"/>
             <a:r>
-              <a:rPr lang="en-CA" dirty="0">
+              <a:rPr lang="en-CA" sz="1406" dirty="0">
                 <a:solidFill>
                   <a:srgbClr val="666633"/>
                 </a:solidFill>
               </a:rPr>
-              <a:t>ASTs of LJMs</a:t>
+              <a:t>ASTs</a:t>
             </a:r>
           </a:p>
         </p:txBody>
@@ -3352,8 +3399,8 @@
         </p:nvSpPr>
         <p:spPr>
           <a:xfrm>
-            <a:off x="110614" y="3379921"/>
-            <a:ext cx="9855847" cy="1666488"/>
+            <a:off x="596833" y="4424280"/>
+            <a:ext cx="7043098" cy="1103295"/>
           </a:xfrm>
           <a:prstGeom prst="rect">
             <a:avLst/>
@@ -3374,7 +3421,7 @@
           </a:fontRef>
         </p:style>
         <p:txBody>
-          <a:bodyPr rot="0" spcFirstLastPara="0" vertOverflow="overflow" horzOverflow="overflow" vert="horz" wrap="square" lIns="91450" tIns="45726" rIns="91450" bIns="45726" numCol="1" spcCol="0" rtlCol="0" fromWordArt="0" anchor="ctr" anchorCtr="0" forceAA="0" compatLnSpc="1">
+          <a:bodyPr rot="0" spcFirstLastPara="0" vertOverflow="overflow" horzOverflow="overflow" vert="horz" wrap="square" lIns="71439" tIns="35720" rIns="71439" bIns="35720" numCol="1" spcCol="0" rtlCol="0" fromWordArt="0" anchor="ctr" anchorCtr="0" forceAA="0" compatLnSpc="1">
             <a:prstTxWarp prst="textNoShape">
               <a:avLst/>
             </a:prstTxWarp>
@@ -3383,7 +3430,7 @@
           <a:lstStyle/>
           <a:p>
             <a:pPr algn="ctr"/>
-            <a:endParaRPr lang="en-CA">
+            <a:endParaRPr lang="en-CA" sz="1406">
               <a:solidFill>
                 <a:srgbClr val="666633"/>
               </a:solidFill>
@@ -3393,95 +3440,14 @@
       </p:sp>
       <p:sp>
         <p:nvSpPr>
-          <p:cNvPr id="15" name="TextBox 14"/>
-          <p:cNvSpPr txBox="1"/>
-          <p:nvPr/>
-        </p:nvSpPr>
-        <p:spPr>
-          <a:xfrm>
-            <a:off x="7788275" y="1205303"/>
-            <a:ext cx="1984987" cy="919765"/>
-          </a:xfrm>
-          <a:prstGeom prst="rect">
-            <a:avLst/>
-          </a:prstGeom>
-          <a:noFill/>
-        </p:spPr>
-        <p:txBody>
-          <a:bodyPr wrap="square" rtlCol="0">
-            <a:spAutoFit/>
-          </a:bodyPr>
-          <a:lstStyle/>
-          <a:p>
-            <a:pPr algn="ctr"/>
-            <a:r>
-              <a:rPr lang="en-CA" b="1" dirty="0">
-                <a:solidFill>
-                  <a:srgbClr val="666633"/>
-                </a:solidFill>
-              </a:rPr>
-              <a:t>1. Determining structural correspondences</a:t>
-            </a:r>
-          </a:p>
-        </p:txBody>
-      </p:sp>
-      <p:sp>
-        <p:nvSpPr>
-          <p:cNvPr id="18" name="Rectangle 17"/>
-          <p:cNvSpPr/>
-          <p:nvPr/>
-        </p:nvSpPr>
-        <p:spPr>
-          <a:xfrm>
-            <a:off x="142650" y="5361468"/>
-            <a:ext cx="9823811" cy="1484195"/>
-          </a:xfrm>
-          <a:prstGeom prst="rect">
-            <a:avLst/>
-          </a:prstGeom>
-        </p:spPr>
-        <p:style>
-          <a:lnRef idx="2">
-            <a:schemeClr val="dk1"/>
-          </a:lnRef>
-          <a:fillRef idx="1">
-            <a:schemeClr val="lt1"/>
-          </a:fillRef>
-          <a:effectRef idx="0">
-            <a:schemeClr val="dk1"/>
-          </a:effectRef>
-          <a:fontRef idx="minor">
-            <a:schemeClr val="dk1"/>
-          </a:fontRef>
-        </p:style>
-        <p:txBody>
-          <a:bodyPr rot="0" spcFirstLastPara="0" vertOverflow="overflow" horzOverflow="overflow" vert="horz" wrap="square" lIns="91450" tIns="45726" rIns="91450" bIns="45726" numCol="1" spcCol="0" rtlCol="0" fromWordArt="0" anchor="ctr" anchorCtr="0" forceAA="0" compatLnSpc="1">
-            <a:prstTxWarp prst="textNoShape">
-              <a:avLst/>
-            </a:prstTxWarp>
-            <a:noAutofit/>
-          </a:bodyPr>
-          <a:lstStyle/>
-          <a:p>
-            <a:pPr algn="ctr"/>
-            <a:endParaRPr lang="en-CA">
-              <a:solidFill>
-                <a:srgbClr val="666633"/>
-              </a:solidFill>
-            </a:endParaRPr>
-          </a:p>
-        </p:txBody>
-      </p:sp>
-      <p:sp>
-        <p:nvSpPr>
           <p:cNvPr id="23" name="Right Arrow 22"/>
           <p:cNvSpPr/>
           <p:nvPr/>
         </p:nvSpPr>
         <p:spPr>
           <a:xfrm>
-            <a:off x="4426218" y="972208"/>
-            <a:ext cx="250398" cy="522572"/>
+            <a:off x="4922767" y="677927"/>
+            <a:ext cx="195605" cy="408221"/>
           </a:xfrm>
           <a:prstGeom prst="rightArrow">
             <a:avLst/>
@@ -3524,7 +3490,7 @@
           </a:fontRef>
         </p:style>
         <p:txBody>
-          <a:bodyPr rot="0" spcFirstLastPara="0" vertOverflow="overflow" horzOverflow="overflow" vert="horz" wrap="square" lIns="91450" tIns="45726" rIns="91450" bIns="45726" numCol="1" spcCol="0" rtlCol="0" fromWordArt="0" anchor="ctr" anchorCtr="0" forceAA="0" compatLnSpc="1">
+          <a:bodyPr rot="0" spcFirstLastPara="0" vertOverflow="overflow" horzOverflow="overflow" vert="horz" wrap="square" lIns="71439" tIns="35720" rIns="71439" bIns="35720" numCol="1" spcCol="0" rtlCol="0" fromWordArt="0" anchor="ctr" anchorCtr="0" forceAA="0" compatLnSpc="1">
             <a:prstTxWarp prst="textNoShape">
               <a:avLst/>
             </a:prstTxWarp>
@@ -3533,7 +3499,7 @@
           <a:lstStyle/>
           <a:p>
             <a:pPr algn="ctr"/>
-            <a:endParaRPr lang="en-CA">
+            <a:endParaRPr lang="en-CA" sz="1406">
               <a:solidFill>
                 <a:srgbClr val="666633"/>
               </a:solidFill>
@@ -3549,8 +3515,8 @@
         </p:nvSpPr>
         <p:spPr>
           <a:xfrm>
-            <a:off x="4676617" y="2139325"/>
-            <a:ext cx="2424479" cy="522572"/>
+            <a:off x="5104202" y="1851365"/>
+            <a:ext cx="2119456" cy="668763"/>
           </a:xfrm>
           <a:prstGeom prst="roundRect">
             <a:avLst/>
@@ -3591,7 +3557,7 @@
           </a:fontRef>
         </p:style>
         <p:txBody>
-          <a:bodyPr rot="0" spcFirstLastPara="0" vertOverflow="overflow" horzOverflow="overflow" vert="horz" wrap="square" lIns="91450" tIns="45726" rIns="91450" bIns="45726" numCol="1" spcCol="0" rtlCol="0" fromWordArt="0" anchor="ctr" anchorCtr="0" forceAA="0" compatLnSpc="1">
+          <a:bodyPr rot="0" spcFirstLastPara="0" vertOverflow="overflow" horzOverflow="overflow" vert="horz" wrap="square" lIns="71439" tIns="35720" rIns="71439" bIns="35720" numCol="1" spcCol="0" rtlCol="0" fromWordArt="0" anchor="ctr" anchorCtr="0" forceAA="0" compatLnSpc="1">
             <a:prstTxWarp prst="textNoShape">
               <a:avLst/>
             </a:prstTxWarp>
@@ -3601,12 +3567,12 @@
           <a:p>
             <a:pPr algn="ctr"/>
             <a:r>
-              <a:rPr lang="en-CA" dirty="0">
+              <a:rPr lang="en-CA" sz="1406" dirty="0">
                 <a:solidFill>
                   <a:srgbClr val="666633"/>
                 </a:solidFill>
               </a:rPr>
-              <a:t>2. Correspondence tool</a:t>
+              <a:t> Determining structural correspondences</a:t>
             </a:r>
           </a:p>
         </p:txBody>
@@ -3619,8 +3585,8 @@
         </p:nvSpPr>
         <p:spPr>
           <a:xfrm rot="5400000">
-            <a:off x="5751973" y="1573665"/>
-            <a:ext cx="250398" cy="522572"/>
+            <a:off x="5999714" y="1316570"/>
+            <a:ext cx="195605" cy="408221"/>
           </a:xfrm>
           <a:prstGeom prst="rightArrow">
             <a:avLst/>
@@ -3663,7 +3629,7 @@
           </a:fontRef>
         </p:style>
         <p:txBody>
-          <a:bodyPr rot="0" spcFirstLastPara="0" vertOverflow="overflow" horzOverflow="overflow" vert="horz" wrap="square" lIns="91450" tIns="45726" rIns="91450" bIns="45726" numCol="1" spcCol="0" rtlCol="0" fromWordArt="0" anchor="ctr" anchorCtr="0" forceAA="0" compatLnSpc="1">
+          <a:bodyPr rot="0" spcFirstLastPara="0" vertOverflow="overflow" horzOverflow="overflow" vert="horz" wrap="square" lIns="71439" tIns="35720" rIns="71439" bIns="35720" numCol="1" spcCol="0" rtlCol="0" fromWordArt="0" anchor="ctr" anchorCtr="0" forceAA="0" compatLnSpc="1">
             <a:prstTxWarp prst="textNoShape">
               <a:avLst/>
             </a:prstTxWarp>
@@ -3672,7 +3638,7 @@
           <a:lstStyle/>
           <a:p>
             <a:pPr algn="ctr"/>
-            <a:endParaRPr lang="en-CA">
+            <a:endParaRPr lang="en-CA" sz="1406">
               <a:solidFill>
                 <a:srgbClr val="666633"/>
               </a:solidFill>
@@ -3682,84 +3648,14 @@
       </p:sp>
       <p:sp>
         <p:nvSpPr>
-          <p:cNvPr id="26" name="Flowchart: Multidocument 25"/>
-          <p:cNvSpPr/>
-          <p:nvPr/>
-        </p:nvSpPr>
-        <p:spPr>
-          <a:xfrm>
-            <a:off x="1484084" y="2133573"/>
-            <a:ext cx="1998891" cy="642328"/>
-          </a:xfrm>
-          <a:prstGeom prst="flowChartMultidocument">
-            <a:avLst/>
-          </a:prstGeom>
-          <a:solidFill>
-            <a:schemeClr val="accent4">
-              <a:lumMod val="40000"/>
-              <a:lumOff val="60000"/>
-            </a:schemeClr>
-          </a:solidFill>
-          <a:ln>
-            <a:solidFill>
-              <a:schemeClr val="accent4">
-                <a:lumMod val="75000"/>
-              </a:schemeClr>
-            </a:solidFill>
-          </a:ln>
-          <a:effectLst>
-            <a:outerShdw blurRad="44450" dist="27940" dir="5400000" algn="ctr">
-              <a:srgbClr val="000000">
-                <a:alpha val="32000"/>
-              </a:srgbClr>
-            </a:outerShdw>
-          </a:effectLst>
-        </p:spPr>
-        <p:style>
-          <a:lnRef idx="1">
-            <a:schemeClr val="accent4"/>
-          </a:lnRef>
-          <a:fillRef idx="3">
-            <a:schemeClr val="accent4"/>
-          </a:fillRef>
-          <a:effectRef idx="2">
-            <a:schemeClr val="accent4"/>
-          </a:effectRef>
-          <a:fontRef idx="minor">
-            <a:schemeClr val="lt1"/>
-          </a:fontRef>
-        </p:style>
-        <p:txBody>
-          <a:bodyPr rot="0" spcFirstLastPara="0" vertOverflow="overflow" horzOverflow="overflow" vert="horz" wrap="square" lIns="91450" tIns="45726" rIns="91450" bIns="45726" numCol="1" spcCol="0" rtlCol="0" fromWordArt="0" anchor="ctr" anchorCtr="0" forceAA="0" compatLnSpc="1">
-            <a:prstTxWarp prst="textNoShape">
-              <a:avLst/>
-            </a:prstTxWarp>
-            <a:noAutofit/>
-          </a:bodyPr>
-          <a:lstStyle/>
-          <a:p>
-            <a:pPr algn="ctr"/>
-            <a:r>
-              <a:rPr lang="en-CA" dirty="0">
-                <a:solidFill>
-                  <a:srgbClr val="666633"/>
-                </a:solidFill>
-              </a:rPr>
-              <a:t>AUASTs of LJMs</a:t>
-            </a:r>
-          </a:p>
-        </p:txBody>
-      </p:sp>
-      <p:sp>
-        <p:nvSpPr>
           <p:cNvPr id="27" name="Right Arrow 26"/>
           <p:cNvSpPr/>
           <p:nvPr/>
         </p:nvSpPr>
         <p:spPr>
           <a:xfrm rot="10800000">
-            <a:off x="3976224" y="2179378"/>
-            <a:ext cx="250398" cy="522572"/>
+            <a:off x="4813924" y="4774093"/>
+            <a:ext cx="200616" cy="408221"/>
           </a:xfrm>
           <a:prstGeom prst="rightArrow">
             <a:avLst/>
@@ -3802,7 +3698,7 @@
           </a:fontRef>
         </p:style>
         <p:txBody>
-          <a:bodyPr rot="0" spcFirstLastPara="0" vertOverflow="overflow" horzOverflow="overflow" vert="horz" wrap="square" lIns="91450" tIns="45726" rIns="91450" bIns="45726" numCol="1" spcCol="0" rtlCol="0" fromWordArt="0" anchor="ctr" anchorCtr="0" forceAA="0" compatLnSpc="1">
+          <a:bodyPr rot="0" spcFirstLastPara="0" vertOverflow="overflow" horzOverflow="overflow" vert="horz" wrap="square" lIns="71439" tIns="35720" rIns="71439" bIns="35720" numCol="1" spcCol="0" rtlCol="0" fromWordArt="0" anchor="ctr" anchorCtr="0" forceAA="0" compatLnSpc="1">
             <a:prstTxWarp prst="textNoShape">
               <a:avLst/>
             </a:prstTxWarp>
@@ -3811,7 +3707,7 @@
           <a:lstStyle/>
           <a:p>
             <a:pPr algn="ctr"/>
-            <a:endParaRPr lang="en-CA">
+            <a:endParaRPr lang="en-CA" sz="1406">
               <a:solidFill>
                 <a:srgbClr val="666633"/>
               </a:solidFill>
@@ -3827,8 +3723,8 @@
         </p:nvSpPr>
         <p:spPr>
           <a:xfrm>
-            <a:off x="4676614" y="3727687"/>
-            <a:ext cx="2501452" cy="974566"/>
+            <a:off x="5292070" y="3304887"/>
+            <a:ext cx="1954076" cy="761308"/>
           </a:xfrm>
           <a:prstGeom prst="flowChartMultidocument">
             <a:avLst/>
@@ -3869,7 +3765,7 @@
           </a:fontRef>
         </p:style>
         <p:txBody>
-          <a:bodyPr rot="0" spcFirstLastPara="0" vertOverflow="overflow" horzOverflow="overflow" vert="horz" wrap="square" lIns="91450" tIns="45726" rIns="91450" bIns="45726" numCol="1" spcCol="0" rtlCol="0" fromWordArt="0" anchor="ctr" anchorCtr="0" forceAA="0" compatLnSpc="1">
+          <a:bodyPr rot="0" spcFirstLastPara="0" vertOverflow="overflow" horzOverflow="overflow" vert="horz" wrap="square" lIns="71439" tIns="35720" rIns="71439" bIns="35720" numCol="1" spcCol="0" rtlCol="0" fromWordArt="0" anchor="ctr" anchorCtr="0" forceAA="0" compatLnSpc="1">
             <a:prstTxWarp prst="textNoShape">
               <a:avLst/>
             </a:prstTxWarp>
@@ -3879,26 +3775,13 @@
           <a:p>
             <a:pPr algn="ctr"/>
             <a:r>
-              <a:rPr lang="en-CA" dirty="0">
+              <a:rPr lang="en-CA" sz="1406" dirty="0">
                 <a:solidFill>
                   <a:srgbClr val="666633"/>
                 </a:solidFill>
               </a:rPr>
-              <a:t>Anti-unifiers </a:t>
-            </a:r>
-            <a:r>
-              <a:rPr lang="en-CA">
-                <a:solidFill>
-                  <a:srgbClr val="666633"/>
-                </a:solidFill>
-              </a:rPr>
-              <a:t>of AUASTs</a:t>
-            </a:r>
-            <a:endParaRPr lang="en-CA" dirty="0">
-              <a:solidFill>
-                <a:srgbClr val="666633"/>
-              </a:solidFill>
-            </a:endParaRPr>
+              <a:t>Anti-unified AUASTs</a:t>
+            </a:r>
           </a:p>
         </p:txBody>
       </p:sp>
@@ -3910,8 +3793,8 @@
         </p:nvSpPr>
         <p:spPr>
           <a:xfrm>
-            <a:off x="671225" y="3953687"/>
-            <a:ext cx="3056630" cy="522572"/>
+            <a:off x="2376556" y="3293017"/>
+            <a:ext cx="2108896" cy="671648"/>
           </a:xfrm>
           <a:prstGeom prst="roundRect">
             <a:avLst/>
@@ -3952,7 +3835,7 @@
           </a:fontRef>
         </p:style>
         <p:txBody>
-          <a:bodyPr rot="0" spcFirstLastPara="0" vertOverflow="overflow" horzOverflow="overflow" vert="horz" wrap="square" lIns="91450" tIns="45726" rIns="91450" bIns="45726" numCol="1" spcCol="0" rtlCol="0" fromWordArt="0" anchor="ctr" anchorCtr="0" forceAA="0" compatLnSpc="1">
+          <a:bodyPr rot="0" spcFirstLastPara="0" vertOverflow="overflow" horzOverflow="overflow" vert="horz" wrap="square" lIns="71439" tIns="35720" rIns="71439" bIns="35720" numCol="1" spcCol="0" rtlCol="0" fromWordArt="0" anchor="ctr" anchorCtr="0" forceAA="0" compatLnSpc="1">
             <a:prstTxWarp prst="textNoShape">
               <a:avLst/>
             </a:prstTxWarp>
@@ -3962,80 +3845,12 @@
           <a:p>
             <a:pPr algn="ctr"/>
             <a:r>
-              <a:rPr lang="en-CA" dirty="0">
+              <a:rPr lang="en-CA" sz="1406" dirty="0">
                 <a:solidFill>
                   <a:srgbClr val="666633"/>
                 </a:solidFill>
               </a:rPr>
-              <a:t>3. Anti-unifier building tool</a:t>
-            </a:r>
-          </a:p>
-        </p:txBody>
-      </p:sp>
-      <p:sp>
-        <p:nvSpPr>
-          <p:cNvPr id="30" name="TextBox 29"/>
-          <p:cNvSpPr txBox="1"/>
-          <p:nvPr/>
-        </p:nvSpPr>
-        <p:spPr>
-          <a:xfrm>
-            <a:off x="7791295" y="3824848"/>
-            <a:ext cx="1978947" cy="919765"/>
-          </a:xfrm>
-          <a:prstGeom prst="rect">
-            <a:avLst/>
-          </a:prstGeom>
-          <a:noFill/>
-        </p:spPr>
-        <p:txBody>
-          <a:bodyPr wrap="square" rtlCol="0">
-            <a:spAutoFit/>
-          </a:bodyPr>
-          <a:lstStyle/>
-          <a:p>
-            <a:pPr algn="ctr"/>
-            <a:r>
-              <a:rPr lang="en-CA" b="1" dirty="0">
-                <a:solidFill>
-                  <a:srgbClr val="666633"/>
-                </a:solidFill>
-              </a:rPr>
-              <a:t>2. Constructing structural generalizations</a:t>
-            </a:r>
-          </a:p>
-        </p:txBody>
-      </p:sp>
-      <p:sp>
-        <p:nvSpPr>
-          <p:cNvPr id="32" name="TextBox 31"/>
-          <p:cNvSpPr txBox="1"/>
-          <p:nvPr/>
-        </p:nvSpPr>
-        <p:spPr>
-          <a:xfrm>
-            <a:off x="7482181" y="5853202"/>
-            <a:ext cx="2597173" cy="369332"/>
-          </a:xfrm>
-          <a:prstGeom prst="rect">
-            <a:avLst/>
-          </a:prstGeom>
-          <a:noFill/>
-        </p:spPr>
-        <p:txBody>
-          <a:bodyPr wrap="square" rtlCol="0">
-            <a:spAutoFit/>
-          </a:bodyPr>
-          <a:lstStyle/>
-          <a:p>
-            <a:pPr algn="ctr"/>
-            <a:r>
-              <a:rPr lang="en-CA" b="1" dirty="0">
-                <a:solidFill>
-                  <a:srgbClr val="666633"/>
-                </a:solidFill>
-              </a:rPr>
-              <a:t>3. Clustering </a:t>
+              <a:t> Constructing structural generalizations </a:t>
             </a:r>
           </a:p>
         </p:txBody>
@@ -4048,8 +3863,8 @@
         </p:nvSpPr>
         <p:spPr>
           <a:xfrm>
-            <a:off x="5038536" y="5853203"/>
-            <a:ext cx="2063132" cy="504921"/>
+            <a:off x="5488366" y="4756546"/>
+            <a:ext cx="1611671" cy="587544"/>
           </a:xfrm>
           <a:prstGeom prst="roundRect">
             <a:avLst/>
@@ -4090,7 +3905,7 @@
           </a:fontRef>
         </p:style>
         <p:txBody>
-          <a:bodyPr rot="0" spcFirstLastPara="0" vertOverflow="overflow" horzOverflow="overflow" vert="horz" wrap="square" lIns="91450" tIns="45726" rIns="91450" bIns="45726" numCol="1" spcCol="0" rtlCol="0" fromWordArt="0" anchor="ctr" anchorCtr="0" forceAA="0" compatLnSpc="1">
+          <a:bodyPr rot="0" spcFirstLastPara="0" vertOverflow="overflow" horzOverflow="overflow" vert="horz" wrap="square" lIns="71439" tIns="35720" rIns="71439" bIns="35720" numCol="1" spcCol="0" rtlCol="0" fromWordArt="0" anchor="ctr" anchorCtr="0" forceAA="0" compatLnSpc="1">
             <a:prstTxWarp prst="textNoShape">
               <a:avLst/>
             </a:prstTxWarp>
@@ -4100,12 +3915,12 @@
           <a:p>
             <a:pPr algn="ctr"/>
             <a:r>
-              <a:rPr lang="en-CA" dirty="0">
+              <a:rPr lang="en-CA" sz="1406" dirty="0">
                 <a:solidFill>
                   <a:srgbClr val="666633"/>
                 </a:solidFill>
               </a:rPr>
-              <a:t>4. Clustering tool</a:t>
+              <a:t> Clustering </a:t>
             </a:r>
           </a:p>
         </p:txBody>
@@ -4118,8 +3933,8 @@
         </p:nvSpPr>
         <p:spPr>
           <a:xfrm>
-            <a:off x="1484084" y="5799591"/>
-            <a:ext cx="1622151" cy="642328"/>
+            <a:off x="2797411" y="4779134"/>
+            <a:ext cx="1267187" cy="501772"/>
           </a:xfrm>
           <a:prstGeom prst="flowChartMultidocument">
             <a:avLst/>
@@ -4160,7 +3975,7 @@
           </a:fontRef>
         </p:style>
         <p:txBody>
-          <a:bodyPr rot="0" spcFirstLastPara="0" vertOverflow="overflow" horzOverflow="overflow" vert="horz" wrap="square" lIns="91450" tIns="45726" rIns="91450" bIns="45726" numCol="1" spcCol="0" rtlCol="0" fromWordArt="0" anchor="ctr" anchorCtr="0" forceAA="0" compatLnSpc="1">
+          <a:bodyPr rot="0" spcFirstLastPara="0" vertOverflow="overflow" horzOverflow="overflow" vert="horz" wrap="square" lIns="71439" tIns="35720" rIns="71439" bIns="35720" numCol="1" spcCol="0" rtlCol="0" fromWordArt="0" anchor="ctr" anchorCtr="0" forceAA="0" compatLnSpc="1">
             <a:prstTxWarp prst="textNoShape">
               <a:avLst/>
             </a:prstTxWarp>
@@ -4170,7 +3985,7 @@
           <a:p>
             <a:pPr algn="ctr"/>
             <a:r>
-              <a:rPr lang="en-CA" dirty="0">
+              <a:rPr lang="en-CA" sz="1406" dirty="0">
                 <a:solidFill>
                   <a:srgbClr val="666633"/>
                 </a:solidFill>
@@ -4188,8 +4003,8 @@
         </p:nvSpPr>
         <p:spPr>
           <a:xfrm>
-            <a:off x="996355" y="7395689"/>
-            <a:ext cx="2618495" cy="801511"/>
+            <a:off x="2408249" y="6094737"/>
+            <a:ext cx="2045508" cy="626122"/>
           </a:xfrm>
           <a:prstGeom prst="roundRect">
             <a:avLst/>
@@ -4230,7 +4045,7 @@
           </a:fontRef>
         </p:style>
         <p:txBody>
-          <a:bodyPr rot="0" spcFirstLastPara="0" vertOverflow="overflow" horzOverflow="overflow" vert="horz" wrap="square" lIns="91450" tIns="45726" rIns="91450" bIns="45726" numCol="1" spcCol="0" rtlCol="0" fromWordArt="0" anchor="ctr" anchorCtr="0" forceAA="0" compatLnSpc="1">
+          <a:bodyPr rot="0" spcFirstLastPara="0" vertOverflow="overflow" horzOverflow="overflow" vert="horz" wrap="square" lIns="71439" tIns="35720" rIns="71439" bIns="35720" numCol="1" spcCol="0" rtlCol="0" fromWordArt="0" anchor="ctr" anchorCtr="0" forceAA="0" compatLnSpc="1">
             <a:prstTxWarp prst="textNoShape">
               <a:avLst/>
             </a:prstTxWarp>
@@ -4239,14 +4054,30 @@
           <a:lstStyle/>
           <a:p>
             <a:pPr algn="ctr"/>
-            <a:r>
-              <a:rPr lang="en-CA" dirty="0">
+            <a:endParaRPr lang="en-CA" sz="1406" dirty="0">
+              <a:solidFill>
+                <a:srgbClr val="666633"/>
+              </a:solidFill>
+            </a:endParaRPr>
+          </a:p>
+          <a:p>
+            <a:pPr algn="ctr"/>
+            <a:r>
+              <a:rPr lang="en-CA" sz="1406" dirty="0">
                 <a:solidFill>
                   <a:srgbClr val="666633"/>
                 </a:solidFill>
               </a:rPr>
-              <a:t>5. Analyzing anti-unifiers</a:t>
-            </a:r>
+              <a:t>Examining structural generalizations</a:t>
+            </a:r>
+          </a:p>
+          <a:p>
+            <a:pPr algn="ctr"/>
+            <a:endParaRPr lang="en-CA" sz="1406" dirty="0">
+              <a:solidFill>
+                <a:srgbClr val="666633"/>
+              </a:solidFill>
+            </a:endParaRPr>
           </a:p>
         </p:txBody>
       </p:sp>
@@ -4258,8 +4089,8 @@
         </p:nvSpPr>
         <p:spPr>
           <a:xfrm>
-            <a:off x="4977488" y="7307832"/>
-            <a:ext cx="2321940" cy="850394"/>
+            <a:off x="5406481" y="5985223"/>
+            <a:ext cx="1813846" cy="664308"/>
           </a:xfrm>
           <a:prstGeom prst="flowChartMultidocument">
             <a:avLst/>
@@ -4300,7 +4131,7 @@
           </a:fontRef>
         </p:style>
         <p:txBody>
-          <a:bodyPr rot="0" spcFirstLastPara="0" vertOverflow="overflow" horzOverflow="overflow" vert="horz" wrap="square" lIns="91450" tIns="45726" rIns="91450" bIns="45726" numCol="1" spcCol="0" rtlCol="0" fromWordArt="0" anchor="ctr" anchorCtr="0" forceAA="0" compatLnSpc="1">
+          <a:bodyPr rot="0" spcFirstLastPara="0" vertOverflow="overflow" horzOverflow="overflow" vert="horz" wrap="square" lIns="71439" tIns="35720" rIns="71439" bIns="35720" numCol="1" spcCol="0" rtlCol="0" fromWordArt="0" anchor="ctr" anchorCtr="0" forceAA="0" compatLnSpc="1">
             <a:prstTxWarp prst="textNoShape">
               <a:avLst/>
             </a:prstTxWarp>
@@ -4310,7 +4141,7 @@
           <a:p>
             <a:pPr algn="ctr"/>
             <a:r>
-              <a:rPr lang="en-CA" dirty="0">
+              <a:rPr lang="en-CA" sz="1406" dirty="0">
                 <a:solidFill>
                   <a:srgbClr val="666633"/>
                 </a:solidFill>
@@ -4322,14 +4153,14 @@
       </p:sp>
       <p:sp>
         <p:nvSpPr>
-          <p:cNvPr id="39" name="Right Arrow 38"/>
+          <p:cNvPr id="44" name="Right Arrow 43"/>
           <p:cNvSpPr/>
           <p:nvPr/>
         </p:nvSpPr>
         <p:spPr>
-          <a:xfrm rot="5400000">
-            <a:off x="1985050" y="2872023"/>
-            <a:ext cx="490751" cy="608060"/>
+          <a:xfrm>
+            <a:off x="4818936" y="6097269"/>
+            <a:ext cx="195605" cy="408221"/>
           </a:xfrm>
           <a:prstGeom prst="rightArrow">
             <a:avLst/>
@@ -4372,7 +4203,7 @@
           </a:fontRef>
         </p:style>
         <p:txBody>
-          <a:bodyPr rot="0" spcFirstLastPara="0" vertOverflow="overflow" horzOverflow="overflow" vert="horz" wrap="square" lIns="91450" tIns="45726" rIns="91450" bIns="45726" numCol="1" spcCol="0" rtlCol="0" fromWordArt="0" anchor="ctr" anchorCtr="0" forceAA="0" compatLnSpc="1">
+          <a:bodyPr rot="0" spcFirstLastPara="0" vertOverflow="overflow" horzOverflow="overflow" vert="horz" wrap="square" lIns="71439" tIns="35720" rIns="71439" bIns="35720" numCol="1" spcCol="0" rtlCol="0" fromWordArt="0" anchor="ctr" anchorCtr="0" forceAA="0" compatLnSpc="1">
             <a:prstTxWarp prst="textNoShape">
               <a:avLst/>
             </a:prstTxWarp>
@@ -4381,7 +4212,7 @@
           <a:lstStyle/>
           <a:p>
             <a:pPr algn="ctr"/>
-            <a:endParaRPr lang="en-CA">
+            <a:endParaRPr lang="en-CA" sz="1406">
               <a:solidFill>
                 <a:srgbClr val="666633"/>
               </a:solidFill>
@@ -4391,14 +4222,84 @@
       </p:sp>
       <p:sp>
         <p:nvSpPr>
-          <p:cNvPr id="43" name="Right Arrow 42"/>
+          <p:cNvPr id="42" name="Flowchart: Multidocument 41"/>
           <p:cNvSpPr/>
           <p:nvPr/>
         </p:nvSpPr>
         <p:spPr>
+          <a:xfrm>
+            <a:off x="2651640" y="1982878"/>
+            <a:ext cx="1561487" cy="501772"/>
+          </a:xfrm>
+          <a:prstGeom prst="flowChartMultidocument">
+            <a:avLst/>
+          </a:prstGeom>
+          <a:solidFill>
+            <a:schemeClr val="accent4">
+              <a:lumMod val="40000"/>
+              <a:lumOff val="60000"/>
+            </a:schemeClr>
+          </a:solidFill>
+          <a:ln>
+            <a:solidFill>
+              <a:schemeClr val="accent4">
+                <a:lumMod val="75000"/>
+              </a:schemeClr>
+            </a:solidFill>
+          </a:ln>
+          <a:effectLst>
+            <a:outerShdw blurRad="44450" dist="27940" dir="5400000" algn="ctr">
+              <a:srgbClr val="000000">
+                <a:alpha val="32000"/>
+              </a:srgbClr>
+            </a:outerShdw>
+          </a:effectLst>
+        </p:spPr>
+        <p:style>
+          <a:lnRef idx="1">
+            <a:schemeClr val="accent4"/>
+          </a:lnRef>
+          <a:fillRef idx="3">
+            <a:schemeClr val="accent4"/>
+          </a:fillRef>
+          <a:effectRef idx="2">
+            <a:schemeClr val="accent4"/>
+          </a:effectRef>
+          <a:fontRef idx="minor">
+            <a:schemeClr val="lt1"/>
+          </a:fontRef>
+        </p:style>
+        <p:txBody>
+          <a:bodyPr rot="0" spcFirstLastPara="0" vertOverflow="overflow" horzOverflow="overflow" vert="horz" wrap="square" lIns="71439" tIns="35720" rIns="71439" bIns="35720" numCol="1" spcCol="0" rtlCol="0" fromWordArt="0" anchor="ctr" anchorCtr="0" forceAA="0" compatLnSpc="1">
+            <a:prstTxWarp prst="textNoShape">
+              <a:avLst/>
+            </a:prstTxWarp>
+            <a:noAutofit/>
+          </a:bodyPr>
+          <a:lstStyle/>
+          <a:p>
+            <a:pPr algn="ctr"/>
+            <a:r>
+              <a:rPr lang="en-CA" sz="1406" dirty="0">
+                <a:solidFill>
+                  <a:srgbClr val="666633"/>
+                </a:solidFill>
+              </a:rPr>
+              <a:t>AUASTs </a:t>
+            </a:r>
+          </a:p>
+        </p:txBody>
+      </p:sp>
+      <p:sp>
+        <p:nvSpPr>
+          <p:cNvPr id="48" name="Right Arrow 47"/>
+          <p:cNvSpPr/>
+          <p:nvPr/>
+        </p:nvSpPr>
+        <p:spPr>
           <a:xfrm rot="10800000">
-            <a:off x="4035634" y="5859467"/>
-            <a:ext cx="250398" cy="522572"/>
+            <a:off x="4590131" y="1981635"/>
+            <a:ext cx="195605" cy="408221"/>
           </a:xfrm>
           <a:prstGeom prst="rightArrow">
             <a:avLst/>
@@ -4441,7 +4342,7 @@
           </a:fontRef>
         </p:style>
         <p:txBody>
-          <a:bodyPr rot="0" spcFirstLastPara="0" vertOverflow="overflow" horzOverflow="overflow" vert="horz" wrap="square" lIns="91450" tIns="45726" rIns="91450" bIns="45726" numCol="1" spcCol="0" rtlCol="0" fromWordArt="0" anchor="ctr" anchorCtr="0" forceAA="0" compatLnSpc="1">
+          <a:bodyPr rot="0" spcFirstLastPara="0" vertOverflow="overflow" horzOverflow="overflow" vert="horz" wrap="square" lIns="71439" tIns="35720" rIns="71439" bIns="35720" numCol="1" spcCol="0" rtlCol="0" fromWordArt="0" anchor="ctr" anchorCtr="0" forceAA="0" compatLnSpc="1">
             <a:prstTxWarp prst="textNoShape">
               <a:avLst/>
             </a:prstTxWarp>
@@ -4450,7 +4351,7 @@
           <a:lstStyle/>
           <a:p>
             <a:pPr algn="ctr"/>
-            <a:endParaRPr lang="en-CA">
+            <a:endParaRPr lang="en-CA" sz="1406">
               <a:solidFill>
                 <a:srgbClr val="666633"/>
               </a:solidFill>
@@ -4460,14 +4361,14 @@
       </p:sp>
       <p:sp>
         <p:nvSpPr>
-          <p:cNvPr id="44" name="Right Arrow 43"/>
+          <p:cNvPr id="50" name="Right Arrow 49"/>
           <p:cNvSpPr/>
           <p:nvPr/>
         </p:nvSpPr>
         <p:spPr>
-          <a:xfrm>
-            <a:off x="4148441" y="7595237"/>
-            <a:ext cx="250398" cy="522572"/>
+          <a:xfrm rot="5400000">
+            <a:off x="3206061" y="2658912"/>
+            <a:ext cx="295240" cy="475002"/>
           </a:xfrm>
           <a:prstGeom prst="rightArrow">
             <a:avLst/>
@@ -4510,7 +4411,7 @@
           </a:fontRef>
         </p:style>
         <p:txBody>
-          <a:bodyPr rot="0" spcFirstLastPara="0" vertOverflow="overflow" horzOverflow="overflow" vert="horz" wrap="square" lIns="91450" tIns="45726" rIns="91450" bIns="45726" numCol="1" spcCol="0" rtlCol="0" fromWordArt="0" anchor="ctr" anchorCtr="0" forceAA="0" compatLnSpc="1">
+          <a:bodyPr rot="0" spcFirstLastPara="0" vertOverflow="overflow" horzOverflow="overflow" vert="horz" wrap="square" lIns="71439" tIns="35720" rIns="71439" bIns="35720" numCol="1" spcCol="0" rtlCol="0" fromWordArt="0" anchor="ctr" anchorCtr="0" forceAA="0" compatLnSpc="1">
             <a:prstTxWarp prst="textNoShape">
               <a:avLst/>
             </a:prstTxWarp>
@@ -4519,7 +4420,7 @@
           <a:lstStyle/>
           <a:p>
             <a:pPr algn="ctr"/>
-            <a:endParaRPr lang="en-CA">
+            <a:endParaRPr lang="en-CA" sz="1406" dirty="0">
               <a:solidFill>
                 <a:srgbClr val="666633"/>
               </a:solidFill>
@@ -4529,14 +4430,14 @@
       </p:sp>
       <p:sp>
         <p:nvSpPr>
-          <p:cNvPr id="47" name="Right Arrow 46"/>
+          <p:cNvPr id="51" name="Right Arrow 50"/>
           <p:cNvSpPr/>
           <p:nvPr/>
         </p:nvSpPr>
         <p:spPr>
           <a:xfrm>
-            <a:off x="4035636" y="3953685"/>
-            <a:ext cx="250398" cy="522572"/>
+            <a:off x="4800481" y="3481431"/>
+            <a:ext cx="195605" cy="408221"/>
           </a:xfrm>
           <a:prstGeom prst="rightArrow">
             <a:avLst/>
@@ -4579,7 +4480,7 @@
           </a:fontRef>
         </p:style>
         <p:txBody>
-          <a:bodyPr rot="0" spcFirstLastPara="0" vertOverflow="overflow" horzOverflow="overflow" vert="horz" wrap="square" lIns="91450" tIns="45726" rIns="91450" bIns="45726" numCol="1" spcCol="0" rtlCol="0" fromWordArt="0" anchor="ctr" anchorCtr="0" forceAA="0" compatLnSpc="1">
+          <a:bodyPr rot="0" spcFirstLastPara="0" vertOverflow="overflow" horzOverflow="overflow" vert="horz" wrap="square" lIns="71439" tIns="35720" rIns="71439" bIns="35720" numCol="1" spcCol="0" rtlCol="0" fromWordArt="0" anchor="ctr" anchorCtr="0" forceAA="0" compatLnSpc="1">
             <a:prstTxWarp prst="textNoShape">
               <a:avLst/>
             </a:prstTxWarp>
@@ -4588,7 +4489,7 @@
           <a:lstStyle/>
           <a:p>
             <a:pPr algn="ctr"/>
-            <a:endParaRPr lang="en-CA">
+            <a:endParaRPr lang="en-CA" sz="1406">
               <a:solidFill>
                 <a:srgbClr val="666633"/>
               </a:solidFill>
@@ -4598,14 +4499,14 @@
       </p:sp>
       <p:sp>
         <p:nvSpPr>
-          <p:cNvPr id="31" name="Right Arrow 30"/>
+          <p:cNvPr id="52" name="Right Arrow 51"/>
           <p:cNvSpPr/>
           <p:nvPr/>
         </p:nvSpPr>
         <p:spPr>
           <a:xfrm rot="5400000">
-            <a:off x="5681963" y="4944482"/>
-            <a:ext cx="490751" cy="608060"/>
+            <a:off x="6085553" y="4105538"/>
+            <a:ext cx="295240" cy="475002"/>
           </a:xfrm>
           <a:prstGeom prst="rightArrow">
             <a:avLst/>
@@ -4648,7 +4549,7 @@
           </a:fontRef>
         </p:style>
         <p:txBody>
-          <a:bodyPr rot="0" spcFirstLastPara="0" vertOverflow="overflow" horzOverflow="overflow" vert="horz" wrap="square" lIns="91450" tIns="45726" rIns="91450" bIns="45726" numCol="1" spcCol="0" rtlCol="0" fromWordArt="0" anchor="ctr" anchorCtr="0" forceAA="0" compatLnSpc="1">
+          <a:bodyPr rot="0" spcFirstLastPara="0" vertOverflow="overflow" horzOverflow="overflow" vert="horz" wrap="square" lIns="71439" tIns="35720" rIns="71439" bIns="35720" numCol="1" spcCol="0" rtlCol="0" fromWordArt="0" anchor="ctr" anchorCtr="0" forceAA="0" compatLnSpc="1">
             <a:prstTxWarp prst="textNoShape">
               <a:avLst/>
             </a:prstTxWarp>
@@ -4657,7 +4558,7 @@
           <a:lstStyle/>
           <a:p>
             <a:pPr algn="ctr"/>
-            <a:endParaRPr lang="en-CA">
+            <a:endParaRPr lang="en-CA" sz="1406" dirty="0">
               <a:solidFill>
                 <a:srgbClr val="666633"/>
               </a:solidFill>
@@ -4667,14 +4568,14 @@
       </p:sp>
       <p:sp>
         <p:nvSpPr>
-          <p:cNvPr id="36" name="Right Arrow 35"/>
+          <p:cNvPr id="53" name="Right Arrow 52"/>
           <p:cNvSpPr/>
           <p:nvPr/>
         </p:nvSpPr>
         <p:spPr>
           <a:xfrm rot="5400000">
-            <a:off x="5824726" y="8321296"/>
-            <a:ext cx="490751" cy="608060"/>
+            <a:off x="3396641" y="5416427"/>
+            <a:ext cx="295240" cy="475002"/>
           </a:xfrm>
           <a:prstGeom prst="rightArrow">
             <a:avLst/>
@@ -4717,7 +4618,7 @@
           </a:fontRef>
         </p:style>
         <p:txBody>
-          <a:bodyPr rot="0" spcFirstLastPara="0" vertOverflow="overflow" horzOverflow="overflow" vert="horz" wrap="square" lIns="91450" tIns="45726" rIns="91450" bIns="45726" numCol="1" spcCol="0" rtlCol="0" fromWordArt="0" anchor="ctr" anchorCtr="0" forceAA="0" compatLnSpc="1">
+          <a:bodyPr rot="0" spcFirstLastPara="0" vertOverflow="overflow" horzOverflow="overflow" vert="horz" wrap="square" lIns="71439" tIns="35720" rIns="71439" bIns="35720" numCol="1" spcCol="0" rtlCol="0" fromWordArt="0" anchor="ctr" anchorCtr="0" forceAA="0" compatLnSpc="1">
             <a:prstTxWarp prst="textNoShape">
               <a:avLst/>
             </a:prstTxWarp>
@@ -4726,137 +4627,7 @@
           <a:lstStyle/>
           <a:p>
             <a:pPr algn="ctr"/>
-            <a:endParaRPr lang="en-CA">
-              <a:solidFill>
-                <a:srgbClr val="666633"/>
-              </a:solidFill>
-            </a:endParaRPr>
-          </a:p>
-        </p:txBody>
-      </p:sp>
-      <p:sp>
-        <p:nvSpPr>
-          <p:cNvPr id="40" name="TextBox 39"/>
-          <p:cNvSpPr txBox="1"/>
-          <p:nvPr/>
-        </p:nvSpPr>
-        <p:spPr>
-          <a:xfrm>
-            <a:off x="7483452" y="7475082"/>
-            <a:ext cx="2597173" cy="642727"/>
-          </a:xfrm>
-          <a:prstGeom prst="rect">
-            <a:avLst/>
-          </a:prstGeom>
-          <a:noFill/>
-        </p:spPr>
-        <p:txBody>
-          <a:bodyPr wrap="square" rtlCol="0">
-            <a:spAutoFit/>
-          </a:bodyPr>
-          <a:lstStyle/>
-          <a:p>
-            <a:pPr algn="ctr"/>
-            <a:r>
-              <a:rPr lang="en-CA" b="1" dirty="0">
-                <a:solidFill>
-                  <a:srgbClr val="666633"/>
-                </a:solidFill>
-              </a:rPr>
-              <a:t>4</a:t>
-            </a:r>
-            <a:r>
-              <a:rPr lang="en-CA" b="1">
-                <a:solidFill>
-                  <a:srgbClr val="666633"/>
-                </a:solidFill>
-              </a:rPr>
-              <a:t>. </a:t>
-            </a:r>
-            <a:r>
-              <a:rPr lang="en-CA" b="1" dirty="0">
-                <a:solidFill>
-                  <a:srgbClr val="666633"/>
-                </a:solidFill>
-              </a:rPr>
-              <a:t>Discovering Logging</a:t>
-            </a:r>
-          </a:p>
-          <a:p>
-            <a:pPr algn="ctr"/>
-            <a:r>
-              <a:rPr lang="en-CA" b="1" dirty="0">
-                <a:solidFill>
-                  <a:srgbClr val="666633"/>
-                </a:solidFill>
-              </a:rPr>
-              <a:t> usage schemas</a:t>
-            </a:r>
-          </a:p>
-        </p:txBody>
-      </p:sp>
-      <p:sp>
-        <p:nvSpPr>
-          <p:cNvPr id="41" name="Right Arrow 40"/>
-          <p:cNvSpPr/>
-          <p:nvPr/>
-        </p:nvSpPr>
-        <p:spPr>
-          <a:xfrm rot="5400000">
-            <a:off x="1985050" y="6699616"/>
-            <a:ext cx="490751" cy="608060"/>
-          </a:xfrm>
-          <a:prstGeom prst="rightArrow">
-            <a:avLst/>
-          </a:prstGeom>
-          <a:solidFill>
-            <a:schemeClr val="accent3">
-              <a:lumMod val="40000"/>
-              <a:lumOff val="60000"/>
-            </a:schemeClr>
-          </a:solidFill>
-          <a:ln>
-            <a:solidFill>
-              <a:schemeClr val="bg2">
-                <a:lumMod val="50000"/>
-              </a:schemeClr>
-            </a:solidFill>
-          </a:ln>
-          <a:effectLst>
-            <a:outerShdw blurRad="44450" dist="27940" dir="5400000" algn="ctr">
-              <a:srgbClr val="000000">
-                <a:alpha val="32000"/>
-              </a:srgbClr>
-            </a:outerShdw>
-          </a:effectLst>
-        </p:spPr>
-        <p:style>
-          <a:lnRef idx="2">
-            <a:schemeClr val="accent3">
-              <a:shade val="50000"/>
-            </a:schemeClr>
-          </a:lnRef>
-          <a:fillRef idx="1">
-            <a:schemeClr val="accent3"/>
-          </a:fillRef>
-          <a:effectRef idx="0">
-            <a:schemeClr val="accent3"/>
-          </a:effectRef>
-          <a:fontRef idx="minor">
-            <a:schemeClr val="lt1"/>
-          </a:fontRef>
-        </p:style>
-        <p:txBody>
-          <a:bodyPr rot="0" spcFirstLastPara="0" vertOverflow="overflow" horzOverflow="overflow" vert="horz" wrap="square" lIns="91450" tIns="45726" rIns="91450" bIns="45726" numCol="1" spcCol="0" rtlCol="0" fromWordArt="0" anchor="ctr" anchorCtr="0" forceAA="0" compatLnSpc="1">
-            <a:prstTxWarp prst="textNoShape">
-              <a:avLst/>
-            </a:prstTxWarp>
-            <a:noAutofit/>
-          </a:bodyPr>
-          <a:lstStyle/>
-          <a:p>
-            <a:pPr algn="ctr"/>
-            <a:endParaRPr lang="en-CA">
+            <a:endParaRPr lang="en-CA" sz="1406" dirty="0">
               <a:solidFill>
                 <a:srgbClr val="666633"/>
               </a:solidFill>
